--- a/01 Classes/Aula 10 RAD Python - Arquivos e JSON.pptx
+++ b/01 Classes/Aula 10 RAD Python - Arquivos e JSON.pptx
@@ -2318,7 +2318,7 @@
           <a:p>
             <a:fld id="{48A87A34-81AB-432B-8DAE-1953F412C126}" type="datetimeFigureOut">
               <a:rPr lang="en-US" smtClean="0"/>
-              <a:t>8/26/2022</a:t>
+              <a:t>5/22/2023</a:t>
             </a:fld>
             <a:endParaRPr lang="en-US" dirty="0"/>
           </a:p>
@@ -2529,7 +2529,7 @@
           <a:p>
             <a:fld id="{48A87A34-81AB-432B-8DAE-1953F412C126}" type="datetimeFigureOut">
               <a:rPr lang="en-US" smtClean="0"/>
-              <a:t>8/26/2022</a:t>
+              <a:t>5/22/2023</a:t>
             </a:fld>
             <a:endParaRPr lang="en-US" dirty="0"/>
           </a:p>
@@ -2744,7 +2744,7 @@
           <a:p>
             <a:fld id="{48A87A34-81AB-432B-8DAE-1953F412C126}" type="datetimeFigureOut">
               <a:rPr lang="en-US" smtClean="0"/>
-              <a:t>8/26/2022</a:t>
+              <a:t>5/22/2023</a:t>
             </a:fld>
             <a:endParaRPr lang="en-US" dirty="0"/>
           </a:p>
@@ -3112,7 +3112,7 @@
           <a:p>
             <a:fld id="{48A87A34-81AB-432B-8DAE-1953F412C126}" type="datetimeFigureOut">
               <a:rPr lang="en-US" smtClean="0"/>
-              <a:t>8/26/2022</a:t>
+              <a:t>5/22/2023</a:t>
             </a:fld>
             <a:endParaRPr lang="en-US" dirty="0"/>
           </a:p>
@@ -3391,7 +3391,7 @@
           <a:p>
             <a:fld id="{48A87A34-81AB-432B-8DAE-1953F412C126}" type="datetimeFigureOut">
               <a:rPr lang="en-US" smtClean="0"/>
-              <a:t>8/26/2022</a:t>
+              <a:t>5/22/2023</a:t>
             </a:fld>
             <a:endParaRPr lang="en-US" dirty="0"/>
           </a:p>
@@ -3659,7 +3659,7 @@
           <a:p>
             <a:fld id="{48A87A34-81AB-432B-8DAE-1953F412C126}" type="datetimeFigureOut">
               <a:rPr lang="en-US" smtClean="0"/>
-              <a:t>8/26/2022</a:t>
+              <a:t>5/22/2023</a:t>
             </a:fld>
             <a:endParaRPr lang="en-US" dirty="0"/>
           </a:p>
@@ -4075,7 +4075,7 @@
           <a:p>
             <a:fld id="{48A87A34-81AB-432B-8DAE-1953F412C126}" type="datetimeFigureOut">
               <a:rPr lang="en-US" smtClean="0"/>
-              <a:t>8/26/2022</a:t>
+              <a:t>5/22/2023</a:t>
             </a:fld>
             <a:endParaRPr lang="en-US" dirty="0"/>
           </a:p>
@@ -4224,7 +4224,7 @@
           <a:p>
             <a:fld id="{48A87A34-81AB-432B-8DAE-1953F412C126}" type="datetimeFigureOut">
               <a:rPr lang="en-US" smtClean="0"/>
-              <a:t>8/26/2022</a:t>
+              <a:t>5/22/2023</a:t>
             </a:fld>
             <a:endParaRPr lang="en-US" dirty="0"/>
           </a:p>
@@ -4350,7 +4350,7 @@
           <a:p>
             <a:fld id="{48A87A34-81AB-432B-8DAE-1953F412C126}" type="datetimeFigureOut">
               <a:rPr lang="en-US" smtClean="0"/>
-              <a:t>8/26/2022</a:t>
+              <a:t>5/22/2023</a:t>
             </a:fld>
             <a:endParaRPr lang="en-US" dirty="0"/>
           </a:p>
@@ -4601,7 +4601,7 @@
           <a:p>
             <a:fld id="{48A87A34-81AB-432B-8DAE-1953F412C126}" type="datetimeFigureOut">
               <a:rPr lang="en-US" smtClean="0"/>
-              <a:t>8/26/2022</a:t>
+              <a:t>5/22/2023</a:t>
             </a:fld>
             <a:endParaRPr lang="en-US" dirty="0"/>
           </a:p>
@@ -5047,7 +5047,7 @@
             <a:fld id="{48A87A34-81AB-432B-8DAE-1953F412C126}" type="datetimeFigureOut">
               <a:rPr lang="en-US" smtClean="0"/>
               <a:pPr/>
-              <a:t>8/26/2022</a:t>
+              <a:t>5/22/2023</a:t>
             </a:fld>
             <a:endParaRPr lang="en-US" dirty="0"/>
           </a:p>
@@ -5375,7 +5375,7 @@
             <a:fld id="{48A87A34-81AB-432B-8DAE-1953F412C126}" type="datetimeFigureOut">
               <a:rPr lang="en-US" smtClean="0"/>
               <a:pPr/>
-              <a:t>8/26/2022</a:t>
+              <a:t>5/22/2023</a:t>
             </a:fld>
             <a:endParaRPr lang="en-US" dirty="0"/>
           </a:p>
@@ -9881,7 +9881,7 @@
                 <a:latin typeface="Times New Roman" panose="02020603050405020304" pitchFamily="18" charset="0"/>
                 <a:cs typeface="Times New Roman" panose="02020603050405020304" pitchFamily="18" charset="0"/>
               </a:rPr>
-              <a:t> = 'utf-8’); // </a:t>
+              <a:t> = 'utf-8'); // </a:t>
             </a:r>
             <a:r>
               <a:rPr lang="en-US" sz="2400" b="1" dirty="0">
@@ -10324,7 +10324,7 @@
                 <a:latin typeface="Times New Roman" panose="02020603050405020304" pitchFamily="18" charset="0"/>
                 <a:cs typeface="Times New Roman" panose="02020603050405020304" pitchFamily="18" charset="0"/>
               </a:rPr>
-              <a:t>(“f://listaNiver.txt", “</a:t>
+              <a:t>("f://listaNiver.txt", "</a:t>
             </a:r>
             <a:r>
               <a:rPr lang="en-US" sz="2400" dirty="0" err="1">
@@ -10338,7 +10338,7 @@
                 <a:latin typeface="Times New Roman" panose="02020603050405020304" pitchFamily="18" charset="0"/>
                 <a:cs typeface="Times New Roman" panose="02020603050405020304" pitchFamily="18" charset="0"/>
               </a:rPr>
-              <a:t>”, </a:t>
+              <a:t>", </a:t>
             </a:r>
             <a:r>
               <a:rPr lang="en-US" sz="2400" b="1" dirty="0">
@@ -10352,7 +10352,7 @@
                 <a:latin typeface="Times New Roman" panose="02020603050405020304" pitchFamily="18" charset="0"/>
                 <a:cs typeface="Times New Roman" panose="02020603050405020304" pitchFamily="18" charset="0"/>
               </a:rPr>
-              <a:t> = '</a:t>
+              <a:t> = "</a:t>
             </a:r>
             <a:r>
               <a:rPr lang="en-US" sz="2400" b="1" dirty="0">
@@ -10369,7 +10369,7 @@
                 <a:latin typeface="Times New Roman" panose="02020603050405020304" pitchFamily="18" charset="0"/>
                 <a:cs typeface="Times New Roman" panose="02020603050405020304" pitchFamily="18" charset="0"/>
               </a:rPr>
-              <a:t>') as </a:t>
+              <a:t>") as </a:t>
             </a:r>
             <a:r>
               <a:rPr lang="en-US" sz="2400" b="1" dirty="0">
@@ -10409,7 +10409,21 @@
                 <a:latin typeface="Times New Roman" panose="02020603050405020304" pitchFamily="18" charset="0"/>
                 <a:cs typeface="Times New Roman" panose="02020603050405020304" pitchFamily="18" charset="0"/>
               </a:rPr>
-              <a:t>(“Julia\n");</a:t>
+              <a:t>("Julia</a:t>
+            </a:r>
+            <a:r>
+              <a:rPr lang="en-US" sz="2400" b="1" dirty="0">
+                <a:latin typeface="Times New Roman" panose="02020603050405020304" pitchFamily="18" charset="0"/>
+                <a:cs typeface="Times New Roman" panose="02020603050405020304" pitchFamily="18" charset="0"/>
+              </a:rPr>
+              <a:t>\n</a:t>
+            </a:r>
+            <a:r>
+              <a:rPr lang="en-US" sz="2400" dirty="0">
+                <a:latin typeface="Times New Roman" panose="02020603050405020304" pitchFamily="18" charset="0"/>
+                <a:cs typeface="Times New Roman" panose="02020603050405020304" pitchFamily="18" charset="0"/>
+              </a:rPr>
+              <a:t>");</a:t>
             </a:r>
           </a:p>
           <a:p>
@@ -10435,7 +10449,21 @@
                 <a:latin typeface="Times New Roman" panose="02020603050405020304" pitchFamily="18" charset="0"/>
                 <a:cs typeface="Times New Roman" panose="02020603050405020304" pitchFamily="18" charset="0"/>
               </a:rPr>
-              <a:t>(“Maria\n");</a:t>
+              <a:t>("Maria</a:t>
+            </a:r>
+            <a:r>
+              <a:rPr lang="en-US" sz="2400" b="1" dirty="0">
+                <a:latin typeface="Times New Roman" panose="02020603050405020304" pitchFamily="18" charset="0"/>
+                <a:cs typeface="Times New Roman" panose="02020603050405020304" pitchFamily="18" charset="0"/>
+              </a:rPr>
+              <a:t>\n</a:t>
+            </a:r>
+            <a:r>
+              <a:rPr lang="en-US" sz="2400" dirty="0">
+                <a:latin typeface="Times New Roman" panose="02020603050405020304" pitchFamily="18" charset="0"/>
+                <a:cs typeface="Times New Roman" panose="02020603050405020304" pitchFamily="18" charset="0"/>
+              </a:rPr>
+              <a:t>");</a:t>
             </a:r>
           </a:p>
           <a:p>
@@ -10461,7 +10489,7 @@
                 <a:latin typeface="Times New Roman" panose="02020603050405020304" pitchFamily="18" charset="0"/>
                 <a:cs typeface="Times New Roman" panose="02020603050405020304" pitchFamily="18" charset="0"/>
               </a:rPr>
-              <a:t>(“</a:t>
+              <a:t>("</a:t>
             </a:r>
             <a:r>
               <a:rPr lang="en-US" sz="2400" dirty="0" err="1">
@@ -10471,30 +10499,118 @@
               <a:t>josy</a:t>
             </a:r>
             <a:r>
+              <a:rPr lang="en-US" sz="2400" b="1" dirty="0">
+                <a:latin typeface="Times New Roman" panose="02020603050405020304" pitchFamily="18" charset="0"/>
+                <a:cs typeface="Times New Roman" panose="02020603050405020304" pitchFamily="18" charset="0"/>
+              </a:rPr>
+              <a:t>\n</a:t>
+            </a:r>
+            <a:r>
               <a:rPr lang="en-US" sz="2400" dirty="0">
                 <a:latin typeface="Times New Roman" panose="02020603050405020304" pitchFamily="18" charset="0"/>
                 <a:cs typeface="Times New Roman" panose="02020603050405020304" pitchFamily="18" charset="0"/>
               </a:rPr>
-              <a:t>\n");</a:t>
-            </a:r>
-            <a:endParaRPr lang="pt-BR" sz="2400" dirty="0">
+              <a:t>");</a:t>
+            </a:r>
+          </a:p>
+          <a:p>
+            <a:pPr marL="0" lvl="1" indent="0" algn="just">
+              <a:buNone/>
+            </a:pPr>
+            <a:r>
+              <a:rPr lang="en-US" sz="2400" dirty="0" err="1">
+                <a:latin typeface="Times New Roman" panose="02020603050405020304" pitchFamily="18" charset="0"/>
+                <a:cs typeface="Times New Roman" panose="02020603050405020304" pitchFamily="18" charset="0"/>
+              </a:rPr>
+              <a:t>f.close</a:t>
+            </a:r>
+            <a:r>
+              <a:rPr lang="en-US" sz="2400" dirty="0">
+                <a:latin typeface="Times New Roman" panose="02020603050405020304" pitchFamily="18" charset="0"/>
+                <a:cs typeface="Times New Roman" panose="02020603050405020304" pitchFamily="18" charset="0"/>
+              </a:rPr>
+              <a:t>();</a:t>
+            </a:r>
+          </a:p>
+          <a:p>
+            <a:pPr marL="0" lvl="1" indent="0" algn="just">
+              <a:buNone/>
+            </a:pPr>
+            <a:r>
+              <a:rPr lang="en-US" sz="2400" b="1" dirty="0">
+                <a:solidFill>
+                  <a:srgbClr val="FF0000"/>
+                </a:solidFill>
+                <a:latin typeface="Times New Roman" panose="02020603050405020304" pitchFamily="18" charset="0"/>
+                <a:cs typeface="Times New Roman" panose="02020603050405020304" pitchFamily="18" charset="0"/>
+              </a:rPr>
+              <a:t> </a:t>
+            </a:r>
+            <a:r>
+              <a:rPr lang="en-US" sz="2400" dirty="0">
+                <a:latin typeface="Times New Roman" panose="02020603050405020304" pitchFamily="18" charset="0"/>
+                <a:cs typeface="Times New Roman" panose="02020603050405020304" pitchFamily="18" charset="0"/>
+              </a:rPr>
+              <a:t>f = </a:t>
+            </a:r>
+            <a:r>
+              <a:rPr lang="en-US" sz="2400" b="1" dirty="0">
+                <a:latin typeface="Times New Roman" panose="02020603050405020304" pitchFamily="18" charset="0"/>
+                <a:cs typeface="Times New Roman" panose="02020603050405020304" pitchFamily="18" charset="0"/>
+              </a:rPr>
+              <a:t>open</a:t>
+            </a:r>
+            <a:r>
+              <a:rPr lang="en-US" sz="2400" dirty="0">
+                <a:latin typeface="Times New Roman" panose="02020603050405020304" pitchFamily="18" charset="0"/>
+                <a:cs typeface="Times New Roman" panose="02020603050405020304" pitchFamily="18" charset="0"/>
+              </a:rPr>
+              <a:t>("f://listaNiver.txt", "r");</a:t>
+            </a:r>
+            <a:endParaRPr lang="en-US" sz="2400" b="1" dirty="0">
               <a:latin typeface="Times New Roman" panose="02020603050405020304" pitchFamily="18" charset="0"/>
               <a:cs typeface="Times New Roman" panose="02020603050405020304" pitchFamily="18" charset="0"/>
             </a:endParaRPr>
           </a:p>
           <a:p>
-            <a:pPr marL="0" indent="0" algn="just">
+            <a:pPr marL="0" lvl="1" indent="0" algn="just">
               <a:buNone/>
             </a:pPr>
-            <a:endParaRPr lang="en-US" sz="2400" dirty="0">
-              <a:latin typeface="Times New Roman" panose="02020603050405020304" pitchFamily="18" charset="0"/>
-              <a:cs typeface="Times New Roman" panose="02020603050405020304" pitchFamily="18" charset="0"/>
-            </a:endParaRPr>
-          </a:p>
-          <a:p>
-            <a:pPr marL="0" indent="0" algn="just">
-              <a:buNone/>
-            </a:pPr>
+            <a:r>
+              <a:rPr lang="en-US" sz="2400" b="1" dirty="0">
+                <a:latin typeface="Times New Roman" panose="02020603050405020304" pitchFamily="18" charset="0"/>
+                <a:cs typeface="Times New Roman" panose="02020603050405020304" pitchFamily="18" charset="0"/>
+              </a:rPr>
+              <a:t> </a:t>
+            </a:r>
+            <a:r>
+              <a:rPr lang="en-US" sz="2400" dirty="0" err="1">
+                <a:latin typeface="Times New Roman" panose="02020603050405020304" pitchFamily="18" charset="0"/>
+                <a:cs typeface="Times New Roman" panose="02020603050405020304" pitchFamily="18" charset="0"/>
+              </a:rPr>
+              <a:t>lista</a:t>
+            </a:r>
+            <a:r>
+              <a:rPr lang="en-US" sz="2400" b="1" dirty="0">
+                <a:latin typeface="Times New Roman" panose="02020603050405020304" pitchFamily="18" charset="0"/>
+                <a:cs typeface="Times New Roman" panose="02020603050405020304" pitchFamily="18" charset="0"/>
+              </a:rPr>
+              <a:t> = </a:t>
+            </a:r>
+            <a:r>
+              <a:rPr lang="en-US" sz="2400" b="1" dirty="0" err="1">
+                <a:latin typeface="Times New Roman" panose="02020603050405020304" pitchFamily="18" charset="0"/>
+                <a:cs typeface="Times New Roman" panose="02020603050405020304" pitchFamily="18" charset="0"/>
+              </a:rPr>
+              <a:t>f.read</a:t>
+            </a:r>
+            <a:r>
+              <a:rPr lang="en-US" sz="2400" b="1" dirty="0">
+                <a:latin typeface="Times New Roman" panose="02020603050405020304" pitchFamily="18" charset="0"/>
+                <a:cs typeface="Times New Roman" panose="02020603050405020304" pitchFamily="18" charset="0"/>
+              </a:rPr>
+              <a:t>().split('\n');</a:t>
+            </a:r>
             <a:endParaRPr lang="pt-BR" sz="2400" dirty="0">
               <a:latin typeface="Times New Roman" panose="02020603050405020304" pitchFamily="18" charset="0"/>
               <a:cs typeface="Times New Roman" panose="02020603050405020304" pitchFamily="18" charset="0"/>
@@ -10593,7 +10709,7 @@
               <a:buNone/>
             </a:pPr>
             <a:r>
-              <a:rPr lang="en-US" sz="2400" b="1" dirty="0" err="1">
+              <a:rPr lang="en-US" sz="2000" b="1" dirty="0" err="1">
                 <a:solidFill>
                   <a:srgbClr val="FF0000"/>
                 </a:solidFill>
@@ -10603,7 +10719,7 @@
               <a:t>Exemplo</a:t>
             </a:r>
             <a:r>
-              <a:rPr lang="en-US" sz="2400" b="1" dirty="0">
+              <a:rPr lang="en-US" sz="2000" b="1" dirty="0">
                 <a:solidFill>
                   <a:srgbClr val="FF0000"/>
                 </a:solidFill>
@@ -10614,65 +10730,82 @@
             </a:r>
           </a:p>
           <a:p>
-            <a:pPr marL="443865" lvl="2" indent="0" algn="just">
+            <a:pPr marL="0" lvl="1" indent="0" algn="just">
               <a:buNone/>
             </a:pPr>
             <a:r>
-              <a:rPr lang="en-US" sz="2400" dirty="0" err="1">
+              <a:rPr lang="en-US" sz="2000" b="1" dirty="0">
+                <a:solidFill>
+                  <a:srgbClr val="FF0000"/>
+                </a:solidFill>
+                <a:latin typeface="Times New Roman" panose="02020603050405020304" pitchFamily="18" charset="0"/>
+                <a:cs typeface="Times New Roman" panose="02020603050405020304" pitchFamily="18" charset="0"/>
+              </a:rPr>
+              <a:t>     </a:t>
+            </a:r>
+            <a:r>
+              <a:rPr lang="en-US" sz="2000" dirty="0" err="1">
                 <a:latin typeface="Times New Roman" panose="02020603050405020304" pitchFamily="18" charset="0"/>
                 <a:cs typeface="Times New Roman" panose="02020603050405020304" pitchFamily="18" charset="0"/>
               </a:rPr>
               <a:t>text_file</a:t>
             </a:r>
             <a:r>
-              <a:rPr lang="en-US" sz="2400" dirty="0">
+              <a:rPr lang="en-US" sz="2000" dirty="0">
                 <a:latin typeface="Times New Roman" panose="02020603050405020304" pitchFamily="18" charset="0"/>
                 <a:cs typeface="Times New Roman" panose="02020603050405020304" pitchFamily="18" charset="0"/>
               </a:rPr>
               <a:t> = </a:t>
             </a:r>
             <a:r>
-              <a:rPr lang="en-US" sz="2400" b="1" dirty="0">
+              <a:rPr lang="en-US" sz="2000" b="1" dirty="0">
                 <a:latin typeface="Times New Roman" panose="02020603050405020304" pitchFamily="18" charset="0"/>
                 <a:cs typeface="Times New Roman" panose="02020603050405020304" pitchFamily="18" charset="0"/>
               </a:rPr>
               <a:t>open</a:t>
             </a:r>
             <a:r>
-              <a:rPr lang="en-US" sz="2400" dirty="0">
-                <a:latin typeface="Times New Roman" panose="02020603050405020304" pitchFamily="18" charset="0"/>
-                <a:cs typeface="Times New Roman" panose="02020603050405020304" pitchFamily="18" charset="0"/>
-              </a:rPr>
-              <a:t>("f://listaNiver.txt“, "r");</a:t>
-            </a:r>
-          </a:p>
-          <a:p>
-            <a:pPr marL="443865" lvl="2" indent="0" algn="just">
+              <a:rPr lang="en-US" sz="2000" dirty="0">
+                <a:latin typeface="Times New Roman" panose="02020603050405020304" pitchFamily="18" charset="0"/>
+                <a:cs typeface="Times New Roman" panose="02020603050405020304" pitchFamily="18" charset="0"/>
+              </a:rPr>
+              <a:t>("f://listaNiver.txt", "r");</a:t>
+            </a:r>
+          </a:p>
+          <a:p>
+            <a:pPr marL="0" indent="0" algn="just">
               <a:buNone/>
             </a:pPr>
             <a:r>
-              <a:rPr lang="en-US" sz="2400" b="1" dirty="0" err="1">
+              <a:rPr lang="en-US" sz="2000" b="1" dirty="0">
+                <a:latin typeface="Times New Roman" panose="02020603050405020304" pitchFamily="18" charset="0"/>
+                <a:cs typeface="Times New Roman" panose="02020603050405020304" pitchFamily="18" charset="0"/>
+              </a:rPr>
+              <a:t>     </a:t>
+            </a:r>
+            <a:r>
+              <a:rPr lang="en-US" sz="2000" b="1" dirty="0" err="1">
                 <a:latin typeface="Times New Roman" panose="02020603050405020304" pitchFamily="18" charset="0"/>
                 <a:cs typeface="Times New Roman" panose="02020603050405020304" pitchFamily="18" charset="0"/>
               </a:rPr>
               <a:t>lista</a:t>
             </a:r>
             <a:r>
-              <a:rPr lang="en-US" sz="2400" dirty="0">
+              <a:rPr lang="en-US" sz="2000" dirty="0">
                 <a:latin typeface="Times New Roman" panose="02020603050405020304" pitchFamily="18" charset="0"/>
                 <a:cs typeface="Times New Roman" panose="02020603050405020304" pitchFamily="18" charset="0"/>
               </a:rPr>
               <a:t> = </a:t>
             </a:r>
             <a:r>
-              <a:rPr lang="en-US" sz="2400" dirty="0" err="1">
+              <a:rPr lang="en-US" sz="2000" dirty="0" err="1">
                 <a:latin typeface="Times New Roman" panose="02020603050405020304" pitchFamily="18" charset="0"/>
                 <a:cs typeface="Times New Roman" panose="02020603050405020304" pitchFamily="18" charset="0"/>
               </a:rPr>
               <a:t>text_file.</a:t>
             </a:r>
             <a:r>
-              <a:rPr lang="en-US" sz="2400" b="1" dirty="0" err="1">
+              <a:rPr lang="en-US" sz="2000" b="1" dirty="0" err="1">
                 <a:solidFill>
                   <a:srgbClr val="FF0000"/>
                 </a:solidFill>
@@ -10682,32 +10815,185 @@
               <a:t>read</a:t>
             </a:r>
             <a:r>
-              <a:rPr lang="en-US" sz="2400" dirty="0">
+              <a:rPr lang="en-US" sz="2000" dirty="0">
                 <a:latin typeface="Times New Roman" panose="02020603050405020304" pitchFamily="18" charset="0"/>
                 <a:cs typeface="Times New Roman" panose="02020603050405020304" pitchFamily="18" charset="0"/>
               </a:rPr>
               <a:t>().</a:t>
             </a:r>
             <a:r>
-              <a:rPr lang="en-US" sz="2400" b="1" dirty="0">
+              <a:rPr lang="en-US" sz="2000" b="1" dirty="0">
                 <a:latin typeface="Times New Roman" panose="02020603050405020304" pitchFamily="18" charset="0"/>
                 <a:cs typeface="Times New Roman" panose="02020603050405020304" pitchFamily="18" charset="0"/>
               </a:rPr>
               <a:t>split</a:t>
             </a:r>
             <a:r>
-              <a:rPr lang="en-US" sz="2400" dirty="0">
-                <a:latin typeface="Times New Roman" panose="02020603050405020304" pitchFamily="18" charset="0"/>
-                <a:cs typeface="Times New Roman" panose="02020603050405020304" pitchFamily="18" charset="0"/>
-              </a:rPr>
-              <a:t>(',’);</a:t>
+              <a:rPr lang="en-US" sz="2000" dirty="0">
+                <a:latin typeface="Times New Roman" panose="02020603050405020304" pitchFamily="18" charset="0"/>
+                <a:cs typeface="Times New Roman" panose="02020603050405020304" pitchFamily="18" charset="0"/>
+              </a:rPr>
+              <a:t>('\n');</a:t>
             </a:r>
           </a:p>
           <a:p>
             <a:pPr marL="0" indent="0" algn="just">
               <a:buNone/>
             </a:pPr>
-            <a:endParaRPr lang="en-US" sz="2400" b="1" dirty="0">
+            <a:r>
+              <a:rPr lang="en-US" sz="2000" b="1" dirty="0">
+                <a:latin typeface="Times New Roman" panose="02020603050405020304" pitchFamily="18" charset="0"/>
+                <a:cs typeface="Times New Roman" panose="02020603050405020304" pitchFamily="18" charset="0"/>
+              </a:rPr>
+              <a:t>     </a:t>
+            </a:r>
+            <a:r>
+              <a:rPr lang="en-US" sz="2000" b="1" dirty="0" err="1">
+                <a:latin typeface="Times New Roman" panose="02020603050405020304" pitchFamily="18" charset="0"/>
+                <a:cs typeface="Times New Roman" panose="02020603050405020304" pitchFamily="18" charset="0"/>
+              </a:rPr>
+              <a:t>lista</a:t>
+            </a:r>
+            <a:r>
+              <a:rPr lang="en-US" sz="2000" dirty="0">
+                <a:latin typeface="Times New Roman" panose="02020603050405020304" pitchFamily="18" charset="0"/>
+                <a:cs typeface="Times New Roman" panose="02020603050405020304" pitchFamily="18" charset="0"/>
+              </a:rPr>
+              <a:t> = </a:t>
+            </a:r>
+            <a:r>
+              <a:rPr lang="en-US" sz="2000" dirty="0" err="1">
+                <a:latin typeface="Times New Roman" panose="02020603050405020304" pitchFamily="18" charset="0"/>
+                <a:cs typeface="Times New Roman" panose="02020603050405020304" pitchFamily="18" charset="0"/>
+              </a:rPr>
+              <a:t>text_file.</a:t>
+            </a:r>
+            <a:r>
+              <a:rPr lang="en-US" sz="2000" b="1" dirty="0" err="1">
+                <a:solidFill>
+                  <a:srgbClr val="FF0000"/>
+                </a:solidFill>
+                <a:latin typeface="Times New Roman" panose="02020603050405020304" pitchFamily="18" charset="0"/>
+                <a:cs typeface="Times New Roman" panose="02020603050405020304" pitchFamily="18" charset="0"/>
+              </a:rPr>
+              <a:t>read</a:t>
+            </a:r>
+            <a:r>
+              <a:rPr lang="en-US" sz="2000" dirty="0">
+                <a:latin typeface="Times New Roman" panose="02020603050405020304" pitchFamily="18" charset="0"/>
+                <a:cs typeface="Times New Roman" panose="02020603050405020304" pitchFamily="18" charset="0"/>
+              </a:rPr>
+              <a:t>().</a:t>
+            </a:r>
+            <a:r>
+              <a:rPr lang="en-US" sz="2000" b="1" dirty="0">
+                <a:latin typeface="Times New Roman" panose="02020603050405020304" pitchFamily="18" charset="0"/>
+                <a:cs typeface="Times New Roman" panose="02020603050405020304" pitchFamily="18" charset="0"/>
+              </a:rPr>
+              <a:t>split</a:t>
+            </a:r>
+            <a:r>
+              <a:rPr lang="en-US" sz="2000" dirty="0">
+                <a:latin typeface="Times New Roman" panose="02020603050405020304" pitchFamily="18" charset="0"/>
+                <a:cs typeface="Times New Roman" panose="02020603050405020304" pitchFamily="18" charset="0"/>
+              </a:rPr>
+              <a:t>(','); </a:t>
+            </a:r>
+            <a:r>
+              <a:rPr lang="en-US" sz="1800" dirty="0">
+                <a:latin typeface="Times New Roman" panose="02020603050405020304" pitchFamily="18" charset="0"/>
+                <a:cs typeface="Times New Roman" panose="02020603050405020304" pitchFamily="18" charset="0"/>
+              </a:rPr>
+              <a:t># </a:t>
+            </a:r>
+            <a:r>
+              <a:rPr lang="en-US" sz="1800" dirty="0" err="1">
+                <a:latin typeface="Times New Roman" panose="02020603050405020304" pitchFamily="18" charset="0"/>
+                <a:cs typeface="Times New Roman" panose="02020603050405020304" pitchFamily="18" charset="0"/>
+              </a:rPr>
+              <a:t>Observar</a:t>
+            </a:r>
+            <a:r>
+              <a:rPr lang="en-US" sz="1800" dirty="0">
+                <a:latin typeface="Times New Roman" panose="02020603050405020304" pitchFamily="18" charset="0"/>
+                <a:cs typeface="Times New Roman" panose="02020603050405020304" pitchFamily="18" charset="0"/>
+              </a:rPr>
+              <a:t> o </a:t>
+            </a:r>
+            <a:r>
+              <a:rPr lang="en-US" sz="1800" dirty="0" err="1">
+                <a:latin typeface="Times New Roman" panose="02020603050405020304" pitchFamily="18" charset="0"/>
+                <a:cs typeface="Times New Roman" panose="02020603050405020304" pitchFamily="18" charset="0"/>
+              </a:rPr>
+              <a:t>separador</a:t>
+            </a:r>
+            <a:r>
+              <a:rPr lang="en-US" sz="1800" dirty="0">
+                <a:latin typeface="Times New Roman" panose="02020603050405020304" pitchFamily="18" charset="0"/>
+                <a:cs typeface="Times New Roman" panose="02020603050405020304" pitchFamily="18" charset="0"/>
+              </a:rPr>
+              <a:t> que </a:t>
+            </a:r>
+            <a:r>
+              <a:rPr lang="en-US" sz="1800" dirty="0" err="1">
+                <a:latin typeface="Times New Roman" panose="02020603050405020304" pitchFamily="18" charset="0"/>
+                <a:cs typeface="Times New Roman" panose="02020603050405020304" pitchFamily="18" charset="0"/>
+              </a:rPr>
+              <a:t>vem</a:t>
+            </a:r>
+            <a:r>
+              <a:rPr lang="en-US" sz="1800" dirty="0">
+                <a:latin typeface="Times New Roman" panose="02020603050405020304" pitchFamily="18" charset="0"/>
+                <a:cs typeface="Times New Roman" panose="02020603050405020304" pitchFamily="18" charset="0"/>
+              </a:rPr>
+              <a:t> </a:t>
+            </a:r>
+            <a:r>
+              <a:rPr lang="en-US" sz="1800" b="1" dirty="0" err="1">
+                <a:solidFill>
+                  <a:srgbClr val="FF0000"/>
+                </a:solidFill>
+                <a:latin typeface="Times New Roman" panose="02020603050405020304" pitchFamily="18" charset="0"/>
+                <a:cs typeface="Times New Roman" panose="02020603050405020304" pitchFamily="18" charset="0"/>
+              </a:rPr>
+              <a:t>dentro</a:t>
+            </a:r>
+            <a:r>
+              <a:rPr lang="en-US" sz="1800" b="1" dirty="0">
+                <a:solidFill>
+                  <a:srgbClr val="FF0000"/>
+                </a:solidFill>
+                <a:latin typeface="Times New Roman" panose="02020603050405020304" pitchFamily="18" charset="0"/>
+                <a:cs typeface="Times New Roman" panose="02020603050405020304" pitchFamily="18" charset="0"/>
+              </a:rPr>
+              <a:t> do </a:t>
+            </a:r>
+            <a:r>
+              <a:rPr lang="en-US" sz="1800" b="1" dirty="0" err="1">
+                <a:solidFill>
+                  <a:srgbClr val="FF0000"/>
+                </a:solidFill>
+                <a:latin typeface="Times New Roman" panose="02020603050405020304" pitchFamily="18" charset="0"/>
+                <a:cs typeface="Times New Roman" panose="02020603050405020304" pitchFamily="18" charset="0"/>
+              </a:rPr>
+              <a:t>arquivo</a:t>
+            </a:r>
+            <a:r>
+              <a:rPr lang="en-US" sz="1800" b="1" dirty="0">
+                <a:solidFill>
+                  <a:srgbClr val="FF0000"/>
+                </a:solidFill>
+                <a:latin typeface="Times New Roman" panose="02020603050405020304" pitchFamily="18" charset="0"/>
+                <a:cs typeface="Times New Roman" panose="02020603050405020304" pitchFamily="18" charset="0"/>
+              </a:rPr>
+              <a:t>.</a:t>
+            </a:r>
+          </a:p>
+          <a:p>
+            <a:pPr marL="0" indent="0" algn="just">
+              <a:buNone/>
+            </a:pPr>
+            <a:endParaRPr lang="en-US" sz="2000" b="1" dirty="0">
               <a:solidFill>
                 <a:srgbClr val="FF0000"/>
               </a:solidFill>
@@ -10720,7 +11006,7 @@
               <a:buNone/>
             </a:pPr>
             <a:r>
-              <a:rPr lang="en-US" sz="2400" b="1" dirty="0" err="1">
+              <a:rPr lang="en-US" sz="2000" b="1" dirty="0" err="1">
                 <a:solidFill>
                   <a:srgbClr val="FF0000"/>
                 </a:solidFill>
@@ -10730,7 +11016,7 @@
               <a:t>Exemplo</a:t>
             </a:r>
             <a:r>
-              <a:rPr lang="en-US" sz="2400" b="1" dirty="0">
+              <a:rPr lang="en-US" sz="2000" b="1" dirty="0">
                 <a:solidFill>
                   <a:srgbClr val="FF0000"/>
                 </a:solidFill>
@@ -10745,28 +11031,28 @@
               <a:buNone/>
             </a:pPr>
             <a:r>
-              <a:rPr lang="en-US" sz="2400" dirty="0" err="1">
+              <a:rPr lang="en-US" sz="2000" dirty="0" err="1">
                 <a:latin typeface="Times New Roman" panose="02020603050405020304" pitchFamily="18" charset="0"/>
                 <a:cs typeface="Times New Roman" panose="02020603050405020304" pitchFamily="18" charset="0"/>
               </a:rPr>
               <a:t>text_file</a:t>
             </a:r>
             <a:r>
-              <a:rPr lang="pt-BR" sz="2400" dirty="0">
+              <a:rPr lang="pt-BR" sz="2000" dirty="0">
                 <a:latin typeface="Times New Roman" panose="02020603050405020304" pitchFamily="18" charset="0"/>
                 <a:cs typeface="Times New Roman" panose="02020603050405020304" pitchFamily="18" charset="0"/>
               </a:rPr>
               <a:t> = </a:t>
             </a:r>
             <a:r>
-              <a:rPr lang="pt-BR" sz="2400" b="1" dirty="0">
+              <a:rPr lang="pt-BR" sz="2000" b="1" dirty="0">
                 <a:latin typeface="Times New Roman" panose="02020603050405020304" pitchFamily="18" charset="0"/>
                 <a:cs typeface="Times New Roman" panose="02020603050405020304" pitchFamily="18" charset="0"/>
               </a:rPr>
               <a:t>open</a:t>
             </a:r>
             <a:r>
-              <a:rPr lang="pt-BR" sz="2400" dirty="0">
+              <a:rPr lang="pt-BR" sz="2000" dirty="0">
                 <a:latin typeface="Times New Roman" panose="02020603050405020304" pitchFamily="18" charset="0"/>
                 <a:cs typeface="Times New Roman" panose="02020603050405020304" pitchFamily="18" charset="0"/>
               </a:rPr>
@@ -10778,42 +11064,42 @@
               <a:buNone/>
             </a:pPr>
             <a:r>
-              <a:rPr lang="pt-BR" sz="2400" b="1" dirty="0">
+              <a:rPr lang="pt-BR" sz="2000" b="1" dirty="0">
                 <a:latin typeface="Times New Roman" panose="02020603050405020304" pitchFamily="18" charset="0"/>
                 <a:cs typeface="Times New Roman" panose="02020603050405020304" pitchFamily="18" charset="0"/>
               </a:rPr>
               <a:t>for</a:t>
             </a:r>
             <a:r>
-              <a:rPr lang="pt-BR" sz="2400" dirty="0">
+              <a:rPr lang="pt-BR" sz="2000" dirty="0">
                 <a:latin typeface="Times New Roman" panose="02020603050405020304" pitchFamily="18" charset="0"/>
                 <a:cs typeface="Times New Roman" panose="02020603050405020304" pitchFamily="18" charset="0"/>
               </a:rPr>
               <a:t> registro </a:t>
             </a:r>
             <a:r>
-              <a:rPr lang="pt-BR" sz="2400" b="1" dirty="0">
+              <a:rPr lang="pt-BR" sz="2000" b="1" dirty="0">
                 <a:latin typeface="Times New Roman" panose="02020603050405020304" pitchFamily="18" charset="0"/>
                 <a:cs typeface="Times New Roman" panose="02020603050405020304" pitchFamily="18" charset="0"/>
               </a:rPr>
               <a:t>in</a:t>
             </a:r>
             <a:r>
-              <a:rPr lang="pt-BR" sz="2400" dirty="0">
+              <a:rPr lang="pt-BR" sz="2000" dirty="0">
                 <a:latin typeface="Times New Roman" panose="02020603050405020304" pitchFamily="18" charset="0"/>
                 <a:cs typeface="Times New Roman" panose="02020603050405020304" pitchFamily="18" charset="0"/>
               </a:rPr>
               <a:t> </a:t>
             </a:r>
             <a:r>
-              <a:rPr lang="en-US" sz="2400" dirty="0" err="1">
+              <a:rPr lang="en-US" sz="2000" dirty="0" err="1">
                 <a:latin typeface="Times New Roman" panose="02020603050405020304" pitchFamily="18" charset="0"/>
                 <a:cs typeface="Times New Roman" panose="02020603050405020304" pitchFamily="18" charset="0"/>
               </a:rPr>
               <a:t>text_file</a:t>
             </a:r>
             <a:r>
-              <a:rPr lang="pt-BR" sz="2400" dirty="0">
+              <a:rPr lang="pt-BR" sz="2000" dirty="0">
                 <a:latin typeface="Times New Roman" panose="02020603050405020304" pitchFamily="18" charset="0"/>
                 <a:cs typeface="Times New Roman" panose="02020603050405020304" pitchFamily="18" charset="0"/>
               </a:rPr>
@@ -10825,21 +11111,21 @@
               <a:buNone/>
             </a:pPr>
             <a:r>
-              <a:rPr lang="pt-BR" sz="2400" dirty="0">
+              <a:rPr lang="pt-BR" sz="2000" dirty="0">
                 <a:latin typeface="Times New Roman" panose="02020603050405020304" pitchFamily="18" charset="0"/>
                 <a:cs typeface="Times New Roman" panose="02020603050405020304" pitchFamily="18" charset="0"/>
               </a:rPr>
               <a:t>    </a:t>
             </a:r>
             <a:r>
-              <a:rPr lang="pt-BR" sz="2400" b="1" dirty="0">
+              <a:rPr lang="pt-BR" sz="2000" b="1" dirty="0">
                 <a:latin typeface="Times New Roman" panose="02020603050405020304" pitchFamily="18" charset="0"/>
                 <a:cs typeface="Times New Roman" panose="02020603050405020304" pitchFamily="18" charset="0"/>
               </a:rPr>
               <a:t>print</a:t>
             </a:r>
             <a:r>
-              <a:rPr lang="pt-BR" sz="2400" dirty="0">
+              <a:rPr lang="pt-BR" sz="2000" dirty="0">
                 <a:latin typeface="Times New Roman" panose="02020603050405020304" pitchFamily="18" charset="0"/>
                 <a:cs typeface="Times New Roman" panose="02020603050405020304" pitchFamily="18" charset="0"/>
               </a:rPr>

--- a/01 Classes/Aula 10 RAD Python - Arquivos e JSON.pptx
+++ b/01 Classes/Aula 10 RAD Python - Arquivos e JSON.pptx
@@ -2318,7 +2318,7 @@
           <a:p>
             <a:fld id="{48A87A34-81AB-432B-8DAE-1953F412C126}" type="datetimeFigureOut">
               <a:rPr lang="en-US" smtClean="0"/>
-              <a:t>5/22/2023</a:t>
+              <a:t>9/6/2023</a:t>
             </a:fld>
             <a:endParaRPr lang="en-US" dirty="0"/>
           </a:p>
@@ -2529,7 +2529,7 @@
           <a:p>
             <a:fld id="{48A87A34-81AB-432B-8DAE-1953F412C126}" type="datetimeFigureOut">
               <a:rPr lang="en-US" smtClean="0"/>
-              <a:t>5/22/2023</a:t>
+              <a:t>9/6/2023</a:t>
             </a:fld>
             <a:endParaRPr lang="en-US" dirty="0"/>
           </a:p>
@@ -2744,7 +2744,7 @@
           <a:p>
             <a:fld id="{48A87A34-81AB-432B-8DAE-1953F412C126}" type="datetimeFigureOut">
               <a:rPr lang="en-US" smtClean="0"/>
-              <a:t>5/22/2023</a:t>
+              <a:t>9/6/2023</a:t>
             </a:fld>
             <a:endParaRPr lang="en-US" dirty="0"/>
           </a:p>
@@ -3112,7 +3112,7 @@
           <a:p>
             <a:fld id="{48A87A34-81AB-432B-8DAE-1953F412C126}" type="datetimeFigureOut">
               <a:rPr lang="en-US" smtClean="0"/>
-              <a:t>5/22/2023</a:t>
+              <a:t>9/6/2023</a:t>
             </a:fld>
             <a:endParaRPr lang="en-US" dirty="0"/>
           </a:p>
@@ -3391,7 +3391,7 @@
           <a:p>
             <a:fld id="{48A87A34-81AB-432B-8DAE-1953F412C126}" type="datetimeFigureOut">
               <a:rPr lang="en-US" smtClean="0"/>
-              <a:t>5/22/2023</a:t>
+              <a:t>9/6/2023</a:t>
             </a:fld>
             <a:endParaRPr lang="en-US" dirty="0"/>
           </a:p>
@@ -3659,7 +3659,7 @@
           <a:p>
             <a:fld id="{48A87A34-81AB-432B-8DAE-1953F412C126}" type="datetimeFigureOut">
               <a:rPr lang="en-US" smtClean="0"/>
-              <a:t>5/22/2023</a:t>
+              <a:t>9/6/2023</a:t>
             </a:fld>
             <a:endParaRPr lang="en-US" dirty="0"/>
           </a:p>
@@ -4075,7 +4075,7 @@
           <a:p>
             <a:fld id="{48A87A34-81AB-432B-8DAE-1953F412C126}" type="datetimeFigureOut">
               <a:rPr lang="en-US" smtClean="0"/>
-              <a:t>5/22/2023</a:t>
+              <a:t>9/6/2023</a:t>
             </a:fld>
             <a:endParaRPr lang="en-US" dirty="0"/>
           </a:p>
@@ -4224,7 +4224,7 @@
           <a:p>
             <a:fld id="{48A87A34-81AB-432B-8DAE-1953F412C126}" type="datetimeFigureOut">
               <a:rPr lang="en-US" smtClean="0"/>
-              <a:t>5/22/2023</a:t>
+              <a:t>9/6/2023</a:t>
             </a:fld>
             <a:endParaRPr lang="en-US" dirty="0"/>
           </a:p>
@@ -4350,7 +4350,7 @@
           <a:p>
             <a:fld id="{48A87A34-81AB-432B-8DAE-1953F412C126}" type="datetimeFigureOut">
               <a:rPr lang="en-US" smtClean="0"/>
-              <a:t>5/22/2023</a:t>
+              <a:t>9/6/2023</a:t>
             </a:fld>
             <a:endParaRPr lang="en-US" dirty="0"/>
           </a:p>
@@ -4601,7 +4601,7 @@
           <a:p>
             <a:fld id="{48A87A34-81AB-432B-8DAE-1953F412C126}" type="datetimeFigureOut">
               <a:rPr lang="en-US" smtClean="0"/>
-              <a:t>5/22/2023</a:t>
+              <a:t>9/6/2023</a:t>
             </a:fld>
             <a:endParaRPr lang="en-US" dirty="0"/>
           </a:p>
@@ -5047,7 +5047,7 @@
             <a:fld id="{48A87A34-81AB-432B-8DAE-1953F412C126}" type="datetimeFigureOut">
               <a:rPr lang="en-US" smtClean="0"/>
               <a:pPr/>
-              <a:t>5/22/2023</a:t>
+              <a:t>9/6/2023</a:t>
             </a:fld>
             <a:endParaRPr lang="en-US" dirty="0"/>
           </a:p>
@@ -5375,7 +5375,7 @@
             <a:fld id="{48A87A34-81AB-432B-8DAE-1953F412C126}" type="datetimeFigureOut">
               <a:rPr lang="en-US" smtClean="0"/>
               <a:pPr/>
-              <a:t>5/22/2023</a:t>
+              <a:t>9/6/2023</a:t>
             </a:fld>
             <a:endParaRPr lang="en-US" dirty="0"/>
           </a:p>
@@ -6532,6 +6532,18 @@
               </a:rPr>
               <a:t>json</a:t>
             </a:r>
+            <a:endParaRPr lang="pt-BR" sz="2400" dirty="0">
+              <a:solidFill>
+                <a:schemeClr val="tx1"/>
+              </a:solidFill>
+              <a:latin typeface="Times New Roman" panose="02020603050405020304" pitchFamily="18" charset="0"/>
+              <a:cs typeface="Times New Roman" panose="02020603050405020304" pitchFamily="18" charset="0"/>
+            </a:endParaRPr>
+          </a:p>
+          <a:p>
+            <a:pPr marL="0" indent="0" algn="just">
+              <a:buNone/>
+            </a:pPr>
             <a:r>
               <a:rPr lang="pt-BR" sz="2400" dirty="0">
                 <a:solidFill>
@@ -6540,7 +6552,7 @@
                 <a:latin typeface="Times New Roman" panose="02020603050405020304" pitchFamily="18" charset="0"/>
                 <a:cs typeface="Times New Roman" panose="02020603050405020304" pitchFamily="18" charset="0"/>
               </a:rPr>
-              <a:t>;</a:t>
+              <a:t>x = {</a:t>
             </a:r>
           </a:p>
           <a:p>
@@ -6555,7 +6567,87 @@
                 <a:latin typeface="Times New Roman" panose="02020603050405020304" pitchFamily="18" charset="0"/>
                 <a:cs typeface="Times New Roman" panose="02020603050405020304" pitchFamily="18" charset="0"/>
               </a:rPr>
-              <a:t>x = {</a:t>
+              <a:t>  "</a:t>
+            </a:r>
+            <a:r>
+              <a:rPr lang="pt-BR" sz="2400" dirty="0" err="1">
+                <a:solidFill>
+                  <a:schemeClr val="tx1"/>
+                </a:solidFill>
+                <a:latin typeface="Times New Roman" panose="02020603050405020304" pitchFamily="18" charset="0"/>
+                <a:cs typeface="Times New Roman" panose="02020603050405020304" pitchFamily="18" charset="0"/>
+              </a:rPr>
+              <a:t>name</a:t>
+            </a:r>
+            <a:r>
+              <a:rPr lang="pt-BR" sz="2400" dirty="0">
+                <a:solidFill>
+                  <a:schemeClr val="tx1"/>
+                </a:solidFill>
+                <a:latin typeface="Times New Roman" panose="02020603050405020304" pitchFamily="18" charset="0"/>
+                <a:cs typeface="Times New Roman" panose="02020603050405020304" pitchFamily="18" charset="0"/>
+              </a:rPr>
+              <a:t>": "John",   "age": 30,  "</a:t>
+            </a:r>
+            <a:r>
+              <a:rPr lang="pt-BR" sz="2400" dirty="0" err="1">
+                <a:solidFill>
+                  <a:schemeClr val="tx1"/>
+                </a:solidFill>
+                <a:latin typeface="Times New Roman" panose="02020603050405020304" pitchFamily="18" charset="0"/>
+                <a:cs typeface="Times New Roman" panose="02020603050405020304" pitchFamily="18" charset="0"/>
+              </a:rPr>
+              <a:t>married</a:t>
+            </a:r>
+            <a:r>
+              <a:rPr lang="pt-BR" sz="2400" dirty="0">
+                <a:solidFill>
+                  <a:schemeClr val="tx1"/>
+                </a:solidFill>
+                <a:latin typeface="Times New Roman" panose="02020603050405020304" pitchFamily="18" charset="0"/>
+                <a:cs typeface="Times New Roman" panose="02020603050405020304" pitchFamily="18" charset="0"/>
+              </a:rPr>
+              <a:t>": </a:t>
+            </a:r>
+            <a:r>
+              <a:rPr lang="pt-BR" sz="2400" dirty="0" err="1">
+                <a:solidFill>
+                  <a:schemeClr val="tx1"/>
+                </a:solidFill>
+                <a:latin typeface="Times New Roman" panose="02020603050405020304" pitchFamily="18" charset="0"/>
+                <a:cs typeface="Times New Roman" panose="02020603050405020304" pitchFamily="18" charset="0"/>
+              </a:rPr>
+              <a:t>True</a:t>
+            </a:r>
+            <a:r>
+              <a:rPr lang="pt-BR" sz="2400" dirty="0">
+                <a:solidFill>
+                  <a:schemeClr val="tx1"/>
+                </a:solidFill>
+                <a:latin typeface="Times New Roman" panose="02020603050405020304" pitchFamily="18" charset="0"/>
+                <a:cs typeface="Times New Roman" panose="02020603050405020304" pitchFamily="18" charset="0"/>
+              </a:rPr>
+              <a:t>,   "</a:t>
+            </a:r>
+            <a:r>
+              <a:rPr lang="pt-BR" sz="2400" dirty="0" err="1">
+                <a:solidFill>
+                  <a:schemeClr val="tx1"/>
+                </a:solidFill>
+                <a:latin typeface="Times New Roman" panose="02020603050405020304" pitchFamily="18" charset="0"/>
+                <a:cs typeface="Times New Roman" panose="02020603050405020304" pitchFamily="18" charset="0"/>
+              </a:rPr>
+              <a:t>divorced</a:t>
+            </a:r>
+            <a:r>
+              <a:rPr lang="pt-BR" sz="2400" dirty="0">
+                <a:solidFill>
+                  <a:schemeClr val="tx1"/>
+                </a:solidFill>
+                <a:latin typeface="Times New Roman" panose="02020603050405020304" pitchFamily="18" charset="0"/>
+                <a:cs typeface="Times New Roman" panose="02020603050405020304" pitchFamily="18" charset="0"/>
+              </a:rPr>
+              <a:t>": False,</a:t>
             </a:r>
           </a:p>
           <a:p>
@@ -6580,7 +6672,7 @@
                 <a:latin typeface="Times New Roman" panose="02020603050405020304" pitchFamily="18" charset="0"/>
                 <a:cs typeface="Times New Roman" panose="02020603050405020304" pitchFamily="18" charset="0"/>
               </a:rPr>
-              <a:t>name</a:t>
+              <a:t>children</a:t>
             </a:r>
             <a:r>
               <a:rPr lang="pt-BR" sz="2400" dirty="0">
@@ -6590,7 +6682,7 @@
                 <a:latin typeface="Times New Roman" panose="02020603050405020304" pitchFamily="18" charset="0"/>
                 <a:cs typeface="Times New Roman" panose="02020603050405020304" pitchFamily="18" charset="0"/>
               </a:rPr>
-              <a:t>": "John",   "age": 30,  "</a:t>
+              <a:t>": ("</a:t>
             </a:r>
             <a:r>
               <a:rPr lang="pt-BR" sz="2400" dirty="0" err="1">
@@ -6600,7 +6692,7 @@
                 <a:latin typeface="Times New Roman" panose="02020603050405020304" pitchFamily="18" charset="0"/>
                 <a:cs typeface="Times New Roman" panose="02020603050405020304" pitchFamily="18" charset="0"/>
               </a:rPr>
-              <a:t>married</a:t>
+              <a:t>Ann","Billy</a:t>
             </a:r>
             <a:r>
               <a:rPr lang="pt-BR" sz="2400" dirty="0">
@@ -6610,7 +6702,7 @@
                 <a:latin typeface="Times New Roman" panose="02020603050405020304" pitchFamily="18" charset="0"/>
                 <a:cs typeface="Times New Roman" panose="02020603050405020304" pitchFamily="18" charset="0"/>
               </a:rPr>
-              <a:t>": </a:t>
+              <a:t>"),  "pets": </a:t>
             </a:r>
             <a:r>
               <a:rPr lang="pt-BR" sz="2400" dirty="0" err="1">
@@ -6620,7 +6712,7 @@
                 <a:latin typeface="Times New Roman" panose="02020603050405020304" pitchFamily="18" charset="0"/>
                 <a:cs typeface="Times New Roman" panose="02020603050405020304" pitchFamily="18" charset="0"/>
               </a:rPr>
-              <a:t>True</a:t>
+              <a:t>None</a:t>
             </a:r>
             <a:r>
               <a:rPr lang="pt-BR" sz="2400" dirty="0">
@@ -6630,7 +6722,22 @@
                 <a:latin typeface="Times New Roman" panose="02020603050405020304" pitchFamily="18" charset="0"/>
                 <a:cs typeface="Times New Roman" panose="02020603050405020304" pitchFamily="18" charset="0"/>
               </a:rPr>
-              <a:t>,   "</a:t>
+              <a:t>,</a:t>
+            </a:r>
+          </a:p>
+          <a:p>
+            <a:pPr marL="0" indent="0" algn="just">
+              <a:buNone/>
+            </a:pPr>
+            <a:r>
+              <a:rPr lang="pt-BR" sz="2400" dirty="0">
+                <a:solidFill>
+                  <a:schemeClr val="tx1"/>
+                </a:solidFill>
+                <a:latin typeface="Times New Roman" panose="02020603050405020304" pitchFamily="18" charset="0"/>
+                <a:cs typeface="Times New Roman" panose="02020603050405020304" pitchFamily="18" charset="0"/>
+              </a:rPr>
+              <a:t>  "</a:t>
             </a:r>
             <a:r>
               <a:rPr lang="pt-BR" sz="2400" dirty="0" err="1">
@@ -6640,7 +6747,7 @@
                 <a:latin typeface="Times New Roman" panose="02020603050405020304" pitchFamily="18" charset="0"/>
                 <a:cs typeface="Times New Roman" panose="02020603050405020304" pitchFamily="18" charset="0"/>
               </a:rPr>
-              <a:t>divorced</a:t>
+              <a:t>cars</a:t>
             </a:r>
             <a:r>
               <a:rPr lang="pt-BR" sz="2400" dirty="0">
@@ -6650,7 +6757,27 @@
                 <a:latin typeface="Times New Roman" panose="02020603050405020304" pitchFamily="18" charset="0"/>
                 <a:cs typeface="Times New Roman" panose="02020603050405020304" pitchFamily="18" charset="0"/>
               </a:rPr>
-              <a:t>": False,</a:t>
+              <a:t>": [ {"model": "BMW 230", "</a:t>
+            </a:r>
+            <a:r>
+              <a:rPr lang="pt-BR" sz="2400" dirty="0" err="1">
+                <a:solidFill>
+                  <a:schemeClr val="tx1"/>
+                </a:solidFill>
+                <a:latin typeface="Times New Roman" panose="02020603050405020304" pitchFamily="18" charset="0"/>
+                <a:cs typeface="Times New Roman" panose="02020603050405020304" pitchFamily="18" charset="0"/>
+              </a:rPr>
+              <a:t>mpg</a:t>
+            </a:r>
+            <a:r>
+              <a:rPr lang="pt-BR" sz="2400" dirty="0">
+                <a:solidFill>
+                  <a:schemeClr val="tx1"/>
+                </a:solidFill>
+                <a:latin typeface="Times New Roman" panose="02020603050405020304" pitchFamily="18" charset="0"/>
+                <a:cs typeface="Times New Roman" panose="02020603050405020304" pitchFamily="18" charset="0"/>
+              </a:rPr>
+              <a:t>": 27.5},</a:t>
             </a:r>
           </a:p>
           <a:p>
@@ -6665,7 +6792,7 @@
                 <a:latin typeface="Times New Roman" panose="02020603050405020304" pitchFamily="18" charset="0"/>
                 <a:cs typeface="Times New Roman" panose="02020603050405020304" pitchFamily="18" charset="0"/>
               </a:rPr>
-              <a:t>  "</a:t>
+              <a:t>    	       {"model": "Ford Edge", "</a:t>
             </a:r>
             <a:r>
               <a:rPr lang="pt-BR" sz="2400" dirty="0" err="1">
@@ -6675,7 +6802,7 @@
                 <a:latin typeface="Times New Roman" panose="02020603050405020304" pitchFamily="18" charset="0"/>
                 <a:cs typeface="Times New Roman" panose="02020603050405020304" pitchFamily="18" charset="0"/>
               </a:rPr>
-              <a:t>children</a:t>
+              <a:t>mpg</a:t>
             </a:r>
             <a:r>
               <a:rPr lang="pt-BR" sz="2400" dirty="0">
@@ -6685,17 +6812,22 @@
                 <a:latin typeface="Times New Roman" panose="02020603050405020304" pitchFamily="18" charset="0"/>
                 <a:cs typeface="Times New Roman" panose="02020603050405020304" pitchFamily="18" charset="0"/>
               </a:rPr>
-              <a:t>": ("</a:t>
-            </a:r>
-            <a:r>
-              <a:rPr lang="pt-BR" sz="2400" dirty="0" err="1">
+              <a:t>": 24.1}] }</a:t>
+            </a:r>
+          </a:p>
+          <a:p>
+            <a:pPr marL="0" indent="0" algn="just">
+              <a:buNone/>
+            </a:pPr>
+            <a:r>
+              <a:rPr lang="pt-BR" sz="2400" b="1" dirty="0">
                 <a:solidFill>
                   <a:schemeClr val="tx1"/>
                 </a:solidFill>
                 <a:latin typeface="Times New Roman" panose="02020603050405020304" pitchFamily="18" charset="0"/>
                 <a:cs typeface="Times New Roman" panose="02020603050405020304" pitchFamily="18" charset="0"/>
               </a:rPr>
-              <a:t>Ann","Billy</a:t>
+              <a:t>print</a:t>
             </a:r>
             <a:r>
               <a:rPr lang="pt-BR" sz="2400" dirty="0">
@@ -6705,162 +6837,27 @@
                 <a:latin typeface="Times New Roman" panose="02020603050405020304" pitchFamily="18" charset="0"/>
                 <a:cs typeface="Times New Roman" panose="02020603050405020304" pitchFamily="18" charset="0"/>
               </a:rPr>
-              <a:t>"),  "pets": </a:t>
-            </a:r>
-            <a:r>
-              <a:rPr lang="pt-BR" sz="2400" dirty="0" err="1">
+              <a:t>(</a:t>
+            </a:r>
+            <a:r>
+              <a:rPr lang="pt-BR" sz="2400" b="1" dirty="0" err="1">
+                <a:solidFill>
+                  <a:srgbClr val="FF0000"/>
+                </a:solidFill>
+                <a:latin typeface="Times New Roman" panose="02020603050405020304" pitchFamily="18" charset="0"/>
+                <a:cs typeface="Times New Roman" panose="02020603050405020304" pitchFamily="18" charset="0"/>
+              </a:rPr>
+              <a:t>json.dumps</a:t>
+            </a:r>
+            <a:r>
+              <a:rPr lang="pt-BR" sz="2400" dirty="0">
                 <a:solidFill>
                   <a:schemeClr val="tx1"/>
                 </a:solidFill>
                 <a:latin typeface="Times New Roman" panose="02020603050405020304" pitchFamily="18" charset="0"/>
                 <a:cs typeface="Times New Roman" panose="02020603050405020304" pitchFamily="18" charset="0"/>
               </a:rPr>
-              <a:t>None</a:t>
-            </a:r>
-            <a:r>
-              <a:rPr lang="pt-BR" sz="2400" dirty="0">
-                <a:solidFill>
-                  <a:schemeClr val="tx1"/>
-                </a:solidFill>
-                <a:latin typeface="Times New Roman" panose="02020603050405020304" pitchFamily="18" charset="0"/>
-                <a:cs typeface="Times New Roman" panose="02020603050405020304" pitchFamily="18" charset="0"/>
-              </a:rPr>
-              <a:t>,</a:t>
-            </a:r>
-          </a:p>
-          <a:p>
-            <a:pPr marL="0" indent="0" algn="just">
-              <a:buNone/>
-            </a:pPr>
-            <a:r>
-              <a:rPr lang="pt-BR" sz="2400" dirty="0">
-                <a:solidFill>
-                  <a:schemeClr val="tx1"/>
-                </a:solidFill>
-                <a:latin typeface="Times New Roman" panose="02020603050405020304" pitchFamily="18" charset="0"/>
-                <a:cs typeface="Times New Roman" panose="02020603050405020304" pitchFamily="18" charset="0"/>
-              </a:rPr>
-              <a:t>  "</a:t>
-            </a:r>
-            <a:r>
-              <a:rPr lang="pt-BR" sz="2400" dirty="0" err="1">
-                <a:solidFill>
-                  <a:schemeClr val="tx1"/>
-                </a:solidFill>
-                <a:latin typeface="Times New Roman" panose="02020603050405020304" pitchFamily="18" charset="0"/>
-                <a:cs typeface="Times New Roman" panose="02020603050405020304" pitchFamily="18" charset="0"/>
-              </a:rPr>
-              <a:t>cars</a:t>
-            </a:r>
-            <a:r>
-              <a:rPr lang="pt-BR" sz="2400" dirty="0">
-                <a:solidFill>
-                  <a:schemeClr val="tx1"/>
-                </a:solidFill>
-                <a:latin typeface="Times New Roman" panose="02020603050405020304" pitchFamily="18" charset="0"/>
-                <a:cs typeface="Times New Roman" panose="02020603050405020304" pitchFamily="18" charset="0"/>
-              </a:rPr>
-              <a:t>": [ {"model": "BMW 230", "</a:t>
-            </a:r>
-            <a:r>
-              <a:rPr lang="pt-BR" sz="2400" dirty="0" err="1">
-                <a:solidFill>
-                  <a:schemeClr val="tx1"/>
-                </a:solidFill>
-                <a:latin typeface="Times New Roman" panose="02020603050405020304" pitchFamily="18" charset="0"/>
-                <a:cs typeface="Times New Roman" panose="02020603050405020304" pitchFamily="18" charset="0"/>
-              </a:rPr>
-              <a:t>mpg</a:t>
-            </a:r>
-            <a:r>
-              <a:rPr lang="pt-BR" sz="2400" dirty="0">
-                <a:solidFill>
-                  <a:schemeClr val="tx1"/>
-                </a:solidFill>
-                <a:latin typeface="Times New Roman" panose="02020603050405020304" pitchFamily="18" charset="0"/>
-                <a:cs typeface="Times New Roman" panose="02020603050405020304" pitchFamily="18" charset="0"/>
-              </a:rPr>
-              <a:t>": 27.5},</a:t>
-            </a:r>
-          </a:p>
-          <a:p>
-            <a:pPr marL="0" indent="0" algn="just">
-              <a:buNone/>
-            </a:pPr>
-            <a:r>
-              <a:rPr lang="pt-BR" sz="2400" dirty="0">
-                <a:solidFill>
-                  <a:schemeClr val="tx1"/>
-                </a:solidFill>
-                <a:latin typeface="Times New Roman" panose="02020603050405020304" pitchFamily="18" charset="0"/>
-                <a:cs typeface="Times New Roman" panose="02020603050405020304" pitchFamily="18" charset="0"/>
-              </a:rPr>
-              <a:t>    	       {"model": "Ford Edge", "</a:t>
-            </a:r>
-            <a:r>
-              <a:rPr lang="pt-BR" sz="2400" dirty="0" err="1">
-                <a:solidFill>
-                  <a:schemeClr val="tx1"/>
-                </a:solidFill>
-                <a:latin typeface="Times New Roman" panose="02020603050405020304" pitchFamily="18" charset="0"/>
-                <a:cs typeface="Times New Roman" panose="02020603050405020304" pitchFamily="18" charset="0"/>
-              </a:rPr>
-              <a:t>mpg</a:t>
-            </a:r>
-            <a:r>
-              <a:rPr lang="pt-BR" sz="2400" dirty="0">
-                <a:solidFill>
-                  <a:schemeClr val="tx1"/>
-                </a:solidFill>
-                <a:latin typeface="Times New Roman" panose="02020603050405020304" pitchFamily="18" charset="0"/>
-                <a:cs typeface="Times New Roman" panose="02020603050405020304" pitchFamily="18" charset="0"/>
-              </a:rPr>
-              <a:t>": 24.1}] }</a:t>
-            </a:r>
-          </a:p>
-          <a:p>
-            <a:pPr marL="0" indent="0" algn="just">
-              <a:buNone/>
-            </a:pPr>
-            <a:r>
-              <a:rPr lang="pt-BR" sz="2400" b="1" dirty="0">
-                <a:solidFill>
-                  <a:schemeClr val="tx1"/>
-                </a:solidFill>
-                <a:latin typeface="Times New Roman" panose="02020603050405020304" pitchFamily="18" charset="0"/>
-                <a:cs typeface="Times New Roman" panose="02020603050405020304" pitchFamily="18" charset="0"/>
-              </a:rPr>
-              <a:t>print</a:t>
-            </a:r>
-            <a:r>
-              <a:rPr lang="pt-BR" sz="2400" dirty="0">
-                <a:solidFill>
-                  <a:schemeClr val="tx1"/>
-                </a:solidFill>
-                <a:latin typeface="Times New Roman" panose="02020603050405020304" pitchFamily="18" charset="0"/>
-                <a:cs typeface="Times New Roman" panose="02020603050405020304" pitchFamily="18" charset="0"/>
-              </a:rPr>
-              <a:t>(</a:t>
-            </a:r>
-            <a:r>
-              <a:rPr lang="pt-BR" sz="2400" b="1" dirty="0" err="1">
-                <a:solidFill>
-                  <a:srgbClr val="FF0000"/>
-                </a:solidFill>
-                <a:latin typeface="Times New Roman" panose="02020603050405020304" pitchFamily="18" charset="0"/>
-                <a:cs typeface="Times New Roman" panose="02020603050405020304" pitchFamily="18" charset="0"/>
-              </a:rPr>
-              <a:t>json.dumps</a:t>
-            </a:r>
-            <a:r>
-              <a:rPr lang="pt-BR" sz="2400" dirty="0">
-                <a:solidFill>
-                  <a:schemeClr val="tx1"/>
-                </a:solidFill>
-                <a:latin typeface="Times New Roman" panose="02020603050405020304" pitchFamily="18" charset="0"/>
-                <a:cs typeface="Times New Roman" panose="02020603050405020304" pitchFamily="18" charset="0"/>
-              </a:rPr>
-              <a:t>(x));</a:t>
+              <a:t>(x))</a:t>
             </a:r>
           </a:p>
         </p:txBody>
@@ -7341,7 +7338,7 @@
                 <a:latin typeface="Times New Roman" panose="02020603050405020304" pitchFamily="18" charset="0"/>
                 <a:cs typeface="Times New Roman" panose="02020603050405020304" pitchFamily="18" charset="0"/>
               </a:rPr>
-              <a:t>);</a:t>
+              <a:t>)</a:t>
             </a:r>
           </a:p>
           <a:p>
@@ -8380,7 +8377,7 @@
                 <a:latin typeface="Times New Roman" panose="02020603050405020304" pitchFamily="18" charset="0"/>
                 <a:cs typeface="Times New Roman" panose="02020603050405020304" pitchFamily="18" charset="0"/>
               </a:rPr>
-              <a:t>(); </a:t>
+              <a:t>() </a:t>
             </a:r>
             <a:r>
               <a:rPr lang="en-US" sz="2400" dirty="0">
@@ -8420,7 +8417,7 @@
                 <a:latin typeface="Times New Roman" panose="02020603050405020304" pitchFamily="18" charset="0"/>
                 <a:cs typeface="Times New Roman" panose="02020603050405020304" pitchFamily="18" charset="0"/>
               </a:rPr>
-              <a:t>(); </a:t>
+              <a:t>() </a:t>
             </a:r>
             <a:r>
               <a:rPr lang="en-US" sz="2400" dirty="0">
@@ -8460,7 +8457,7 @@
                 <a:latin typeface="Times New Roman" panose="02020603050405020304" pitchFamily="18" charset="0"/>
                 <a:cs typeface="Times New Roman" panose="02020603050405020304" pitchFamily="18" charset="0"/>
               </a:rPr>
-              <a:t>(“dados"); # </a:t>
+              <a:t>("dados") # </a:t>
             </a:r>
             <a:r>
               <a:rPr lang="en-US" sz="2400" dirty="0" err="1">
@@ -8511,7 +8508,7 @@
                 <a:latin typeface="Times New Roman" panose="02020603050405020304" pitchFamily="18" charset="0"/>
                 <a:cs typeface="Times New Roman" panose="02020603050405020304" pitchFamily="18" charset="0"/>
               </a:rPr>
-              <a:t>(4); # </a:t>
+              <a:t>(4) # </a:t>
             </a:r>
             <a:r>
               <a:rPr lang="en-US" sz="2400" dirty="0" err="1">
@@ -8583,7 +8580,7 @@
                 <a:latin typeface="Times New Roman" panose="02020603050405020304" pitchFamily="18" charset="0"/>
                 <a:cs typeface="Times New Roman" panose="02020603050405020304" pitchFamily="18" charset="0"/>
               </a:rPr>
-              <a:t>();  # </a:t>
+              <a:t>()  # </a:t>
             </a:r>
             <a:r>
               <a:rPr lang="en-US" sz="2400" dirty="0" err="1">
@@ -8648,7 +8645,7 @@
                 <a:latin typeface="Times New Roman" panose="02020603050405020304" pitchFamily="18" charset="0"/>
                 <a:cs typeface="Times New Roman" panose="02020603050405020304" pitchFamily="18" charset="0"/>
               </a:rPr>
-              <a:t>(); # </a:t>
+              <a:t>() # </a:t>
             </a:r>
             <a:r>
               <a:rPr lang="pt-BR" sz="2400" dirty="0">
@@ -8685,7 +8682,7 @@
                 <a:latin typeface="Times New Roman" panose="02020603050405020304" pitchFamily="18" charset="0"/>
                 <a:cs typeface="Times New Roman" panose="02020603050405020304" pitchFamily="18" charset="0"/>
               </a:rPr>
-              <a:t>(0);   # </a:t>
+              <a:t>(0)   # </a:t>
             </a:r>
             <a:r>
               <a:rPr lang="pt-BR" sz="2400" dirty="0">
@@ -8739,7 +8736,7 @@
                 <a:latin typeface="Times New Roman" panose="02020603050405020304" pitchFamily="18" charset="0"/>
                 <a:cs typeface="Times New Roman" panose="02020603050405020304" pitchFamily="18" charset="0"/>
               </a:rPr>
-              <a:t>());  # </a:t>
+              <a:t>())  # </a:t>
             </a:r>
             <a:r>
               <a:rPr lang="en-US" sz="2400" dirty="0" err="1">
@@ -8947,7 +8944,21 @@
                 <a:latin typeface="Times New Roman" panose="02020603050405020304" pitchFamily="18" charset="0"/>
                 <a:cs typeface="Times New Roman" panose="02020603050405020304" pitchFamily="18" charset="0"/>
               </a:rPr>
-              <a:t>(“arquivo.txt"); // </a:t>
+              <a:t>(</a:t>
+            </a:r>
+            <a:r>
+              <a:rPr lang="en-US" sz="2400" dirty="0">
+                <a:latin typeface="Times New Roman" panose="02020603050405020304" pitchFamily="18" charset="0"/>
+                <a:cs typeface="Times New Roman" panose="02020603050405020304" pitchFamily="18" charset="0"/>
+              </a:rPr>
+              <a:t>"</a:t>
+            </a:r>
+            <a:r>
+              <a:rPr lang="pt-BR" sz="2400" dirty="0">
+                <a:latin typeface="Times New Roman" panose="02020603050405020304" pitchFamily="18" charset="0"/>
+                <a:cs typeface="Times New Roman" panose="02020603050405020304" pitchFamily="18" charset="0"/>
+              </a:rPr>
+              <a:t>arquivo.txt") // </a:t>
             </a:r>
             <a:r>
               <a:rPr lang="pt-BR" sz="2400" b="1" dirty="0">
@@ -9020,7 +9031,7 @@
                 <a:latin typeface="Times New Roman" panose="02020603050405020304" pitchFamily="18" charset="0"/>
                 <a:cs typeface="Times New Roman" panose="02020603050405020304" pitchFamily="18" charset="0"/>
               </a:rPr>
-              <a:t>");</a:t>
+              <a:t>")</a:t>
             </a:r>
           </a:p>
         </p:txBody>
@@ -9813,7 +9824,7 @@
         </p:nvSpPr>
         <p:spPr>
           <a:xfrm>
-            <a:off x="142864" y="861864"/>
+            <a:off x="142864" y="684064"/>
             <a:ext cx="8865056" cy="4075656"/>
           </a:xfrm>
         </p:spPr>
@@ -9881,7 +9892,7 @@
                 <a:latin typeface="Times New Roman" panose="02020603050405020304" pitchFamily="18" charset="0"/>
                 <a:cs typeface="Times New Roman" panose="02020603050405020304" pitchFamily="18" charset="0"/>
               </a:rPr>
-              <a:t> = 'utf-8'); // </a:t>
+              <a:t> = 'utf-8') // </a:t>
             </a:r>
             <a:r>
               <a:rPr lang="en-US" sz="2400" b="1" dirty="0">
@@ -9963,6 +9974,116 @@
                 <a:latin typeface="Times New Roman" panose="02020603050405020304" pitchFamily="18" charset="0"/>
                 <a:cs typeface="Times New Roman" panose="02020603050405020304" pitchFamily="18" charset="0"/>
               </a:rPr>
+              <a:t>    … 	</a:t>
+            </a:r>
+          </a:p>
+          <a:p>
+            <a:pPr marL="0" indent="0" algn="just">
+              <a:buNone/>
+            </a:pPr>
+            <a:r>
+              <a:rPr lang="en-US" sz="2400" b="1" dirty="0">
+                <a:solidFill>
+                  <a:srgbClr val="FF0000"/>
+                </a:solidFill>
+                <a:latin typeface="Times New Roman" panose="02020603050405020304" pitchFamily="18" charset="0"/>
+                <a:cs typeface="Times New Roman" panose="02020603050405020304" pitchFamily="18" charset="0"/>
+              </a:rPr>
+              <a:t>except:    </a:t>
+            </a:r>
+            <a:r>
+              <a:rPr lang="en-US" sz="2400" b="1" dirty="0">
+                <a:latin typeface="Times New Roman" panose="02020603050405020304" pitchFamily="18" charset="0"/>
+                <a:cs typeface="Times New Roman" panose="02020603050405020304" pitchFamily="18" charset="0"/>
+              </a:rPr>
+              <a:t>print</a:t>
+            </a:r>
+            <a:r>
+              <a:rPr lang="en-US" sz="2400" dirty="0">
+                <a:latin typeface="Times New Roman" panose="02020603050405020304" pitchFamily="18" charset="0"/>
+                <a:cs typeface="Times New Roman" panose="02020603050405020304" pitchFamily="18" charset="0"/>
+              </a:rPr>
+              <a:t>("</a:t>
+            </a:r>
+            <a:r>
+              <a:rPr lang="en-US" sz="2400" dirty="0" err="1">
+                <a:latin typeface="Times New Roman" panose="02020603050405020304" pitchFamily="18" charset="0"/>
+                <a:cs typeface="Times New Roman" panose="02020603050405020304" pitchFamily="18" charset="0"/>
+              </a:rPr>
+              <a:t>Erro</a:t>
+            </a:r>
+            <a:r>
+              <a:rPr lang="en-US" sz="2400" dirty="0">
+                <a:latin typeface="Times New Roman" panose="02020603050405020304" pitchFamily="18" charset="0"/>
+                <a:cs typeface="Times New Roman" panose="02020603050405020304" pitchFamily="18" charset="0"/>
+              </a:rPr>
+              <a:t> </a:t>
+            </a:r>
+            <a:r>
+              <a:rPr lang="en-US" sz="2400" dirty="0" err="1">
+                <a:latin typeface="Times New Roman" panose="02020603050405020304" pitchFamily="18" charset="0"/>
+                <a:cs typeface="Times New Roman" panose="02020603050405020304" pitchFamily="18" charset="0"/>
+              </a:rPr>
+              <a:t>na</a:t>
+            </a:r>
+            <a:r>
+              <a:rPr lang="en-US" sz="2400" dirty="0">
+                <a:latin typeface="Times New Roman" panose="02020603050405020304" pitchFamily="18" charset="0"/>
+                <a:cs typeface="Times New Roman" panose="02020603050405020304" pitchFamily="18" charset="0"/>
+              </a:rPr>
+              <a:t> </a:t>
+            </a:r>
+            <a:r>
+              <a:rPr lang="en-US" sz="2400" dirty="0" err="1">
+                <a:latin typeface="Times New Roman" panose="02020603050405020304" pitchFamily="18" charset="0"/>
+                <a:cs typeface="Times New Roman" panose="02020603050405020304" pitchFamily="18" charset="0"/>
+              </a:rPr>
+              <a:t>abertura</a:t>
+            </a:r>
+            <a:r>
+              <a:rPr lang="en-US" sz="2400" dirty="0">
+                <a:latin typeface="Times New Roman" panose="02020603050405020304" pitchFamily="18" charset="0"/>
+                <a:cs typeface="Times New Roman" panose="02020603050405020304" pitchFamily="18" charset="0"/>
+              </a:rPr>
+              <a:t> do </a:t>
+            </a:r>
+            <a:r>
+              <a:rPr lang="en-US" sz="2400" dirty="0" err="1">
+                <a:latin typeface="Times New Roman" panose="02020603050405020304" pitchFamily="18" charset="0"/>
+                <a:cs typeface="Times New Roman" panose="02020603050405020304" pitchFamily="18" charset="0"/>
+              </a:rPr>
+              <a:t>arquivo</a:t>
+            </a:r>
+            <a:r>
+              <a:rPr lang="en-US" sz="2400" dirty="0">
+                <a:latin typeface="Times New Roman" panose="02020603050405020304" pitchFamily="18" charset="0"/>
+                <a:cs typeface="Times New Roman" panose="02020603050405020304" pitchFamily="18" charset="0"/>
+              </a:rPr>
+              <a:t>")</a:t>
+            </a:r>
+            <a:r>
+              <a:rPr lang="en-US" sz="2400" b="1" dirty="0">
+                <a:solidFill>
+                  <a:srgbClr val="FF0000"/>
+                </a:solidFill>
+                <a:latin typeface="Times New Roman" panose="02020603050405020304" pitchFamily="18" charset="0"/>
+                <a:cs typeface="Times New Roman" panose="02020603050405020304" pitchFamily="18" charset="0"/>
+              </a:rPr>
+              <a:t>	</a:t>
+            </a:r>
+          </a:p>
+          <a:p>
+            <a:pPr marL="0" indent="0" algn="just">
+              <a:buNone/>
+            </a:pPr>
+            <a:r>
+              <a:rPr lang="en-US" sz="2400" b="1" dirty="0">
+                <a:solidFill>
+                  <a:srgbClr val="FF0000"/>
+                </a:solidFill>
+                <a:latin typeface="Times New Roman" panose="02020603050405020304" pitchFamily="18" charset="0"/>
+                <a:cs typeface="Times New Roman" panose="02020603050405020304" pitchFamily="18" charset="0"/>
+              </a:rPr>
               <a:t>finally</a:t>
             </a:r>
             <a:r>
@@ -9970,40 +10091,182 @@
                 <a:latin typeface="Times New Roman" panose="02020603050405020304" pitchFamily="18" charset="0"/>
                 <a:cs typeface="Times New Roman" panose="02020603050405020304" pitchFamily="18" charset="0"/>
               </a:rPr>
-              <a:t>:</a:t>
+              <a:t>:    </a:t>
+            </a:r>
+            <a:r>
+              <a:rPr lang="en-US" sz="2400" dirty="0" err="1">
+                <a:latin typeface="Times New Roman" panose="02020603050405020304" pitchFamily="18" charset="0"/>
+                <a:cs typeface="Times New Roman" panose="02020603050405020304" pitchFamily="18" charset="0"/>
+              </a:rPr>
+              <a:t>f.</a:t>
+            </a:r>
+            <a:r>
+              <a:rPr lang="en-US" sz="2400" b="1" dirty="0" err="1">
+                <a:latin typeface="Times New Roman" panose="02020603050405020304" pitchFamily="18" charset="0"/>
+                <a:cs typeface="Times New Roman" panose="02020603050405020304" pitchFamily="18" charset="0"/>
+              </a:rPr>
+              <a:t>close</a:t>
+            </a:r>
+            <a:r>
+              <a:rPr lang="en-US" sz="2400" dirty="0">
+                <a:latin typeface="Times New Roman" panose="02020603050405020304" pitchFamily="18" charset="0"/>
+                <a:cs typeface="Times New Roman" panose="02020603050405020304" pitchFamily="18" charset="0"/>
+              </a:rPr>
+              <a:t>() #	OU</a:t>
             </a:r>
           </a:p>
           <a:p>
             <a:pPr marL="0" indent="0" algn="just">
               <a:buNone/>
             </a:pPr>
+            <a:endParaRPr lang="en-US" sz="2400" b="1" dirty="0">
+              <a:latin typeface="Times New Roman" panose="02020603050405020304" pitchFamily="18" charset="0"/>
+              <a:cs typeface="Times New Roman" panose="02020603050405020304" pitchFamily="18" charset="0"/>
+            </a:endParaRPr>
+          </a:p>
+          <a:p>
+            <a:pPr marL="0" indent="0" algn="just">
+              <a:buNone/>
+            </a:pPr>
+            <a:r>
+              <a:rPr lang="en-US" sz="2400" b="1" dirty="0">
+                <a:latin typeface="Times New Roman" panose="02020603050405020304" pitchFamily="18" charset="0"/>
+                <a:cs typeface="Times New Roman" panose="02020603050405020304" pitchFamily="18" charset="0"/>
+              </a:rPr>
+              <a:t>with</a:t>
+            </a:r>
             <a:r>
               <a:rPr lang="en-US" sz="2400" dirty="0">
                 <a:latin typeface="Times New Roman" panose="02020603050405020304" pitchFamily="18" charset="0"/>
                 <a:cs typeface="Times New Roman" panose="02020603050405020304" pitchFamily="18" charset="0"/>
               </a:rPr>
-              <a:t>    </a:t>
-            </a:r>
-            <a:r>
-              <a:rPr lang="en-US" sz="2400" dirty="0" err="1">
-                <a:latin typeface="Times New Roman" panose="02020603050405020304" pitchFamily="18" charset="0"/>
-                <a:cs typeface="Times New Roman" panose="02020603050405020304" pitchFamily="18" charset="0"/>
-              </a:rPr>
-              <a:t>f.</a:t>
+              <a:t> </a:t>
+            </a:r>
+            <a:r>
+              <a:rPr lang="en-US" sz="2400" b="1" dirty="0">
+                <a:latin typeface="Times New Roman" panose="02020603050405020304" pitchFamily="18" charset="0"/>
+                <a:cs typeface="Times New Roman" panose="02020603050405020304" pitchFamily="18" charset="0"/>
+              </a:rPr>
+              <a:t>open</a:t>
+            </a:r>
+            <a:r>
+              <a:rPr lang="en-US" sz="2400" dirty="0">
+                <a:latin typeface="Times New Roman" panose="02020603050405020304" pitchFamily="18" charset="0"/>
+                <a:cs typeface="Times New Roman" panose="02020603050405020304" pitchFamily="18" charset="0"/>
+              </a:rPr>
+              <a:t>("test.txt", </a:t>
+            </a:r>
+            <a:r>
+              <a:rPr lang="en-US" sz="2400" b="1" dirty="0">
+                <a:latin typeface="Times New Roman" panose="02020603050405020304" pitchFamily="18" charset="0"/>
+                <a:cs typeface="Times New Roman" panose="02020603050405020304" pitchFamily="18" charset="0"/>
+              </a:rPr>
+              <a:t>encoding</a:t>
+            </a:r>
+            <a:r>
+              <a:rPr lang="en-US" sz="2400" dirty="0">
+                <a:latin typeface="Times New Roman" panose="02020603050405020304" pitchFamily="18" charset="0"/>
+                <a:cs typeface="Times New Roman" panose="02020603050405020304" pitchFamily="18" charset="0"/>
+              </a:rPr>
+              <a:t> = '</a:t>
+            </a:r>
+            <a:r>
+              <a:rPr lang="en-US" sz="2400" b="1" dirty="0">
+                <a:solidFill>
+                  <a:srgbClr val="FF0000"/>
+                </a:solidFill>
+                <a:latin typeface="Times New Roman" panose="02020603050405020304" pitchFamily="18" charset="0"/>
+                <a:cs typeface="Times New Roman" panose="02020603050405020304" pitchFamily="18" charset="0"/>
+              </a:rPr>
+              <a:t>utf-8</a:t>
+            </a:r>
+            <a:r>
+              <a:rPr lang="en-US" sz="2400" dirty="0">
+                <a:latin typeface="Times New Roman" panose="02020603050405020304" pitchFamily="18" charset="0"/>
+                <a:cs typeface="Times New Roman" panose="02020603050405020304" pitchFamily="18" charset="0"/>
+              </a:rPr>
+              <a:t>') as </a:t>
+            </a:r>
+            <a:r>
+              <a:rPr lang="en-US" sz="2400" b="1" dirty="0">
+                <a:latin typeface="Times New Roman" panose="02020603050405020304" pitchFamily="18" charset="0"/>
+                <a:cs typeface="Times New Roman" panose="02020603050405020304" pitchFamily="18" charset="0"/>
+              </a:rPr>
+              <a:t>f</a:t>
+            </a:r>
+            <a:r>
+              <a:rPr lang="en-US" sz="2400" dirty="0">
+                <a:latin typeface="Times New Roman" panose="02020603050405020304" pitchFamily="18" charset="0"/>
+                <a:cs typeface="Times New Roman" panose="02020603050405020304" pitchFamily="18" charset="0"/>
+              </a:rPr>
+              <a:t>: // </a:t>
+            </a:r>
+            <a:r>
+              <a:rPr lang="en-US" sz="2400" b="1" dirty="0">
+                <a:solidFill>
+                  <a:srgbClr val="FF0000"/>
+                </a:solidFill>
+                <a:latin typeface="Times New Roman" panose="02020603050405020304" pitchFamily="18" charset="0"/>
+                <a:cs typeface="Times New Roman" panose="02020603050405020304" pitchFamily="18" charset="0"/>
+              </a:rPr>
+              <a:t>O </a:t>
             </a:r>
             <a:r>
               <a:rPr lang="en-US" sz="2400" b="1" dirty="0" err="1">
-                <a:latin typeface="Times New Roman" panose="02020603050405020304" pitchFamily="18" charset="0"/>
-                <a:cs typeface="Times New Roman" panose="02020603050405020304" pitchFamily="18" charset="0"/>
-              </a:rPr>
-              <a:t>close</a:t>
+                <a:solidFill>
+                  <a:srgbClr val="FF0000"/>
+                </a:solidFill>
+                <a:latin typeface="Times New Roman" panose="02020603050405020304" pitchFamily="18" charset="0"/>
+                <a:cs typeface="Times New Roman" panose="02020603050405020304" pitchFamily="18" charset="0"/>
+              </a:rPr>
+              <a:t>arq</a:t>
+            </a:r>
+            <a:r>
+              <a:rPr lang="en-US" sz="2400" b="1" dirty="0">
+                <a:solidFill>
+                  <a:srgbClr val="FF0000"/>
+                </a:solidFill>
+                <a:latin typeface="Times New Roman" panose="02020603050405020304" pitchFamily="18" charset="0"/>
+                <a:cs typeface="Times New Roman" panose="02020603050405020304" pitchFamily="18" charset="0"/>
+              </a:rPr>
+              <a:t> </a:t>
+            </a:r>
+            <a:r>
+              <a:rPr lang="en-US" sz="2400" b="1" dirty="0" err="1">
+                <a:solidFill>
+                  <a:srgbClr val="FF0000"/>
+                </a:solidFill>
+                <a:latin typeface="Times New Roman" panose="02020603050405020304" pitchFamily="18" charset="0"/>
+                <a:cs typeface="Times New Roman" panose="02020603050405020304" pitchFamily="18" charset="0"/>
+              </a:rPr>
+              <a:t>deve</a:t>
+            </a:r>
+            <a:r>
+              <a:rPr lang="en-US" sz="2400" b="1" dirty="0">
+                <a:solidFill>
+                  <a:srgbClr val="FF0000"/>
+                </a:solidFill>
+                <a:latin typeface="Times New Roman" panose="02020603050405020304" pitchFamily="18" charset="0"/>
+                <a:cs typeface="Times New Roman" panose="02020603050405020304" pitchFamily="18" charset="0"/>
+              </a:rPr>
+              <a:t> </a:t>
+            </a:r>
+            <a:r>
+              <a:rPr lang="en-US" sz="2400" b="1" dirty="0" err="1">
+                <a:solidFill>
+                  <a:srgbClr val="FF0000"/>
+                </a:solidFill>
+                <a:latin typeface="Times New Roman" panose="02020603050405020304" pitchFamily="18" charset="0"/>
+                <a:cs typeface="Times New Roman" panose="02020603050405020304" pitchFamily="18" charset="0"/>
+              </a:rPr>
+              <a:t>existir</a:t>
             </a:r>
             <a:r>
               <a:rPr lang="en-US" sz="2400" dirty="0">
                 <a:latin typeface="Times New Roman" panose="02020603050405020304" pitchFamily="18" charset="0"/>
                 <a:cs typeface="Times New Roman" panose="02020603050405020304" pitchFamily="18" charset="0"/>
               </a:rPr>
-              <a:t>();</a:t>
+              <a:t> </a:t>
             </a:r>
           </a:p>
           <a:p>
@@ -10015,180 +10278,22 @@
                 <a:latin typeface="Times New Roman" panose="02020603050405020304" pitchFamily="18" charset="0"/>
                 <a:cs typeface="Times New Roman" panose="02020603050405020304" pitchFamily="18" charset="0"/>
               </a:rPr>
-              <a:t>			OU</a:t>
-            </a:r>
-          </a:p>
-          <a:p>
-            <a:pPr marL="0" indent="0" algn="just">
-              <a:buNone/>
-            </a:pPr>
-            <a:r>
-              <a:rPr lang="en-US" sz="2400" b="1" dirty="0">
-                <a:latin typeface="Times New Roman" panose="02020603050405020304" pitchFamily="18" charset="0"/>
-                <a:cs typeface="Times New Roman" panose="02020603050405020304" pitchFamily="18" charset="0"/>
-              </a:rPr>
-              <a:t>with</a:t>
-            </a:r>
-            <a:r>
-              <a:rPr lang="en-US" sz="2400" dirty="0">
-                <a:latin typeface="Times New Roman" panose="02020603050405020304" pitchFamily="18" charset="0"/>
-                <a:cs typeface="Times New Roman" panose="02020603050405020304" pitchFamily="18" charset="0"/>
-              </a:rPr>
-              <a:t> </a:t>
-            </a:r>
-            <a:r>
-              <a:rPr lang="en-US" sz="2400" b="1" dirty="0">
-                <a:latin typeface="Times New Roman" panose="02020603050405020304" pitchFamily="18" charset="0"/>
-                <a:cs typeface="Times New Roman" panose="02020603050405020304" pitchFamily="18" charset="0"/>
-              </a:rPr>
-              <a:t>open</a:t>
-            </a:r>
-            <a:r>
-              <a:rPr lang="en-US" sz="2400" dirty="0">
-                <a:latin typeface="Times New Roman" panose="02020603050405020304" pitchFamily="18" charset="0"/>
-                <a:cs typeface="Times New Roman" panose="02020603050405020304" pitchFamily="18" charset="0"/>
-              </a:rPr>
-              <a:t>("test.txt", </a:t>
-            </a:r>
-            <a:r>
-              <a:rPr lang="en-US" sz="2400" b="1" dirty="0">
-                <a:latin typeface="Times New Roman" panose="02020603050405020304" pitchFamily="18" charset="0"/>
-                <a:cs typeface="Times New Roman" panose="02020603050405020304" pitchFamily="18" charset="0"/>
-              </a:rPr>
-              <a:t>encoding</a:t>
-            </a:r>
-            <a:r>
-              <a:rPr lang="en-US" sz="2400" dirty="0">
-                <a:latin typeface="Times New Roman" panose="02020603050405020304" pitchFamily="18" charset="0"/>
-                <a:cs typeface="Times New Roman" panose="02020603050405020304" pitchFamily="18" charset="0"/>
-              </a:rPr>
-              <a:t> = '</a:t>
-            </a:r>
-            <a:r>
-              <a:rPr lang="en-US" sz="2400" b="1" dirty="0">
+              <a:t>	</a:t>
+            </a:r>
+            <a:r>
+              <a:rPr lang="en-US" sz="2400" b="1" dirty="0" err="1">
                 <a:solidFill>
                   <a:srgbClr val="FF0000"/>
                 </a:solidFill>
                 <a:latin typeface="Times New Roman" panose="02020603050405020304" pitchFamily="18" charset="0"/>
                 <a:cs typeface="Times New Roman" panose="02020603050405020304" pitchFamily="18" charset="0"/>
               </a:rPr>
-              <a:t>utf-8</a:t>
-            </a:r>
-            <a:r>
-              <a:rPr lang="en-US" sz="2400" dirty="0">
-                <a:latin typeface="Times New Roman" panose="02020603050405020304" pitchFamily="18" charset="0"/>
-                <a:cs typeface="Times New Roman" panose="02020603050405020304" pitchFamily="18" charset="0"/>
-              </a:rPr>
-              <a:t>') as </a:t>
-            </a:r>
-            <a:r>
-              <a:rPr lang="en-US" sz="2400" b="1" dirty="0">
-                <a:latin typeface="Times New Roman" panose="02020603050405020304" pitchFamily="18" charset="0"/>
-                <a:cs typeface="Times New Roman" panose="02020603050405020304" pitchFamily="18" charset="0"/>
-              </a:rPr>
-              <a:t>f</a:t>
-            </a:r>
-            <a:r>
-              <a:rPr lang="en-US" sz="2400" dirty="0">
-                <a:latin typeface="Times New Roman" panose="02020603050405020304" pitchFamily="18" charset="0"/>
-                <a:cs typeface="Times New Roman" panose="02020603050405020304" pitchFamily="18" charset="0"/>
-              </a:rPr>
-              <a:t>: // </a:t>
-            </a:r>
-            <a:r>
-              <a:rPr lang="en-US" sz="2400" b="1" dirty="0">
-                <a:solidFill>
-                  <a:srgbClr val="FF0000"/>
-                </a:solidFill>
-                <a:latin typeface="Times New Roman" panose="02020603050405020304" pitchFamily="18" charset="0"/>
-                <a:cs typeface="Times New Roman" panose="02020603050405020304" pitchFamily="18" charset="0"/>
-              </a:rPr>
-              <a:t>O </a:t>
-            </a:r>
-            <a:r>
-              <a:rPr lang="en-US" sz="2400" b="1" dirty="0" err="1">
-                <a:solidFill>
-                  <a:srgbClr val="FF0000"/>
-                </a:solidFill>
-                <a:latin typeface="Times New Roman" panose="02020603050405020304" pitchFamily="18" charset="0"/>
-                <a:cs typeface="Times New Roman" panose="02020603050405020304" pitchFamily="18" charset="0"/>
-              </a:rPr>
-              <a:t>arq</a:t>
-            </a:r>
-            <a:r>
-              <a:rPr lang="en-US" sz="2400" b="1" dirty="0">
-                <a:solidFill>
-                  <a:srgbClr val="FF0000"/>
-                </a:solidFill>
-                <a:latin typeface="Times New Roman" panose="02020603050405020304" pitchFamily="18" charset="0"/>
-                <a:cs typeface="Times New Roman" panose="02020603050405020304" pitchFamily="18" charset="0"/>
-              </a:rPr>
-              <a:t> </a:t>
-            </a:r>
-            <a:r>
-              <a:rPr lang="en-US" sz="2400" b="1" dirty="0" err="1">
-                <a:solidFill>
-                  <a:srgbClr val="FF0000"/>
-                </a:solidFill>
-                <a:latin typeface="Times New Roman" panose="02020603050405020304" pitchFamily="18" charset="0"/>
-                <a:cs typeface="Times New Roman" panose="02020603050405020304" pitchFamily="18" charset="0"/>
-              </a:rPr>
-              <a:t>deve</a:t>
-            </a:r>
-            <a:r>
-              <a:rPr lang="en-US" sz="2400" b="1" dirty="0">
-                <a:solidFill>
-                  <a:srgbClr val="FF0000"/>
-                </a:solidFill>
-                <a:latin typeface="Times New Roman" panose="02020603050405020304" pitchFamily="18" charset="0"/>
-                <a:cs typeface="Times New Roman" panose="02020603050405020304" pitchFamily="18" charset="0"/>
-              </a:rPr>
-              <a:t> </a:t>
-            </a:r>
-            <a:r>
-              <a:rPr lang="en-US" sz="2400" b="1" dirty="0" err="1">
-                <a:solidFill>
-                  <a:srgbClr val="FF0000"/>
-                </a:solidFill>
-                <a:latin typeface="Times New Roman" panose="02020603050405020304" pitchFamily="18" charset="0"/>
-                <a:cs typeface="Times New Roman" panose="02020603050405020304" pitchFamily="18" charset="0"/>
-              </a:rPr>
-              <a:t>existir</a:t>
-            </a:r>
-            <a:r>
-              <a:rPr lang="en-US" sz="2400" dirty="0">
-                <a:latin typeface="Times New Roman" panose="02020603050405020304" pitchFamily="18" charset="0"/>
-                <a:cs typeface="Times New Roman" panose="02020603050405020304" pitchFamily="18" charset="0"/>
-              </a:rPr>
-              <a:t> </a:t>
-            </a:r>
-          </a:p>
-          <a:p>
-            <a:pPr marL="0" indent="0" algn="just">
-              <a:buNone/>
-            </a:pPr>
-            <a:r>
-              <a:rPr lang="en-US" sz="2400" dirty="0">
-                <a:latin typeface="Times New Roman" panose="02020603050405020304" pitchFamily="18" charset="0"/>
-                <a:cs typeface="Times New Roman" panose="02020603050405020304" pitchFamily="18" charset="0"/>
-              </a:rPr>
-              <a:t>	</a:t>
-            </a:r>
-            <a:r>
-              <a:rPr lang="en-US" sz="2400" b="1" dirty="0" err="1">
-                <a:latin typeface="Times New Roman" panose="02020603050405020304" pitchFamily="18" charset="0"/>
-                <a:cs typeface="Times New Roman" panose="02020603050405020304" pitchFamily="18" charset="0"/>
-              </a:rPr>
               <a:t>instruções</a:t>
             </a:r>
-            <a:r>
-              <a:rPr lang="en-US" sz="2400" dirty="0">
-                <a:latin typeface="Times New Roman" panose="02020603050405020304" pitchFamily="18" charset="0"/>
-                <a:cs typeface="Times New Roman" panose="02020603050405020304" pitchFamily="18" charset="0"/>
-              </a:rPr>
-              <a:t>;</a:t>
-            </a:r>
             <a:endParaRPr lang="pt-BR" sz="2400" dirty="0">
+              <a:solidFill>
+                <a:srgbClr val="FF0000"/>
+              </a:solidFill>
               <a:latin typeface="Times New Roman" panose="02020603050405020304" pitchFamily="18" charset="0"/>
               <a:cs typeface="Times New Roman" panose="02020603050405020304" pitchFamily="18" charset="0"/>
             </a:endParaRPr>
@@ -10423,7 +10528,7 @@
                 <a:latin typeface="Times New Roman" panose="02020603050405020304" pitchFamily="18" charset="0"/>
                 <a:cs typeface="Times New Roman" panose="02020603050405020304" pitchFamily="18" charset="0"/>
               </a:rPr>
-              <a:t>");</a:t>
+              <a:t>")</a:t>
             </a:r>
           </a:p>
           <a:p>
@@ -10463,7 +10568,7 @@
                 <a:latin typeface="Times New Roman" panose="02020603050405020304" pitchFamily="18" charset="0"/>
                 <a:cs typeface="Times New Roman" panose="02020603050405020304" pitchFamily="18" charset="0"/>
               </a:rPr>
-              <a:t>");</a:t>
+              <a:t>")</a:t>
             </a:r>
           </a:p>
           <a:p>
@@ -10510,7 +10615,7 @@
                 <a:latin typeface="Times New Roman" panose="02020603050405020304" pitchFamily="18" charset="0"/>
                 <a:cs typeface="Times New Roman" panose="02020603050405020304" pitchFamily="18" charset="0"/>
               </a:rPr>
-              <a:t>");</a:t>
+              <a:t>")</a:t>
             </a:r>
           </a:p>
           <a:p>
@@ -10529,7 +10634,7 @@
                 <a:latin typeface="Times New Roman" panose="02020603050405020304" pitchFamily="18" charset="0"/>
                 <a:cs typeface="Times New Roman" panose="02020603050405020304" pitchFamily="18" charset="0"/>
               </a:rPr>
-              <a:t>();</a:t>
+              <a:t>()</a:t>
             </a:r>
           </a:p>
           <a:p>
@@ -10565,7 +10670,7 @@
                 <a:latin typeface="Times New Roman" panose="02020603050405020304" pitchFamily="18" charset="0"/>
                 <a:cs typeface="Times New Roman" panose="02020603050405020304" pitchFamily="18" charset="0"/>
               </a:rPr>
-              <a:t>("f://listaNiver.txt", "r");</a:t>
+              <a:t>("f://listaNiver.txt", "r")</a:t>
             </a:r>
             <a:endParaRPr lang="en-US" sz="2400" b="1" dirty="0">
               <a:latin typeface="Times New Roman" panose="02020603050405020304" pitchFamily="18" charset="0"/>
@@ -10609,7 +10714,7 @@
                 <a:latin typeface="Times New Roman" panose="02020603050405020304" pitchFamily="18" charset="0"/>
                 <a:cs typeface="Times New Roman" panose="02020603050405020304" pitchFamily="18" charset="0"/>
               </a:rPr>
-              <a:t>().split('\n');</a:t>
+              <a:t>().split('\n')</a:t>
             </a:r>
             <a:endParaRPr lang="pt-BR" sz="2400" dirty="0">
               <a:latin typeface="Times New Roman" panose="02020603050405020304" pitchFamily="18" charset="0"/>
@@ -10769,7 +10874,7 @@
                 <a:latin typeface="Times New Roman" panose="02020603050405020304" pitchFamily="18" charset="0"/>
                 <a:cs typeface="Times New Roman" panose="02020603050405020304" pitchFamily="18" charset="0"/>
               </a:rPr>
-              <a:t>("f://listaNiver.txt", "r");</a:t>
+              <a:t>("f://listaNiver.txt", "r")</a:t>
             </a:r>
           </a:p>
           <a:p>
@@ -10833,7 +10938,7 @@
                 <a:latin typeface="Times New Roman" panose="02020603050405020304" pitchFamily="18" charset="0"/>
                 <a:cs typeface="Times New Roman" panose="02020603050405020304" pitchFamily="18" charset="0"/>
               </a:rPr>
-              <a:t>('\n');</a:t>
+              <a:t>('\n')</a:t>
             </a:r>
           </a:p>
           <a:p>
@@ -10897,7 +11002,7 @@
                 <a:latin typeface="Times New Roman" panose="02020603050405020304" pitchFamily="18" charset="0"/>
                 <a:cs typeface="Times New Roman" panose="02020603050405020304" pitchFamily="18" charset="0"/>
               </a:rPr>
-              <a:t>(','); </a:t>
+              <a:t>(',') </a:t>
             </a:r>
             <a:r>
               <a:rPr lang="en-US" sz="1800" dirty="0">
@@ -11129,7 +11234,7 @@
                 <a:latin typeface="Times New Roman" panose="02020603050405020304" pitchFamily="18" charset="0"/>
                 <a:cs typeface="Times New Roman" panose="02020603050405020304" pitchFamily="18" charset="0"/>
               </a:rPr>
-              <a:t>(registro);</a:t>
+              <a:t>(registro)</a:t>
             </a:r>
           </a:p>
         </p:txBody>
@@ -11288,7 +11393,7 @@
                 <a:latin typeface="Times New Roman" panose="02020603050405020304" pitchFamily="18" charset="0"/>
                 <a:cs typeface="Times New Roman" panose="02020603050405020304" pitchFamily="18" charset="0"/>
               </a:rPr>
-              <a:t>(“f://listaNiver.txt“);</a:t>
+              <a:t>(“f://listaNiver.txt“)</a:t>
             </a:r>
           </a:p>
           <a:p>
@@ -11300,7 +11405,7 @@
                 <a:latin typeface="Times New Roman" panose="02020603050405020304" pitchFamily="18" charset="0"/>
                 <a:cs typeface="Times New Roman" panose="02020603050405020304" pitchFamily="18" charset="0"/>
               </a:rPr>
-              <a:t>count = 0;</a:t>
+              <a:t>count = 0</a:t>
             </a:r>
           </a:p>
           <a:p>
@@ -11399,7 +11504,7 @@
                 <a:latin typeface="Times New Roman" panose="02020603050405020304" pitchFamily="18" charset="0"/>
                 <a:cs typeface="Times New Roman" panose="02020603050405020304" pitchFamily="18" charset="0"/>
               </a:rPr>
-              <a:t>:', count);</a:t>
+              <a:t>:', count)</a:t>
             </a:r>
           </a:p>
         </p:txBody>
@@ -11615,7 +11720,7 @@
                 <a:latin typeface="Times New Roman" panose="02020603050405020304" pitchFamily="18" charset="0"/>
                 <a:cs typeface="Times New Roman" panose="02020603050405020304" pitchFamily="18" charset="0"/>
               </a:rPr>
-              <a:t>(line);</a:t>
+              <a:t>(line)</a:t>
             </a:r>
           </a:p>
           <a:p>
@@ -11705,7 +11810,7 @@
                 <a:latin typeface="Times New Roman" panose="02020603050405020304" pitchFamily="18" charset="0"/>
                 <a:cs typeface="Times New Roman" panose="02020603050405020304" pitchFamily="18" charset="0"/>
               </a:rPr>
-              <a:t>(“</a:t>
+              <a:t>("</a:t>
             </a:r>
             <a:r>
               <a:rPr lang="en-US" sz="2400" dirty="0" err="1">
@@ -11719,7 +11824,7 @@
                 <a:latin typeface="Times New Roman" panose="02020603050405020304" pitchFamily="18" charset="0"/>
                 <a:cs typeface="Times New Roman" panose="02020603050405020304" pitchFamily="18" charset="0"/>
               </a:rPr>
-              <a:t>!!!");</a:t>
+              <a:t>!!!")</a:t>
             </a:r>
           </a:p>
         </p:txBody>
@@ -11904,7 +12009,7 @@
                 <a:latin typeface="Times New Roman" panose="02020603050405020304" pitchFamily="18" charset="0"/>
                 <a:cs typeface="Times New Roman" panose="02020603050405020304" pitchFamily="18" charset="0"/>
               </a:rPr>
-              <a:t>: ‘);</a:t>
+              <a:t>: ')</a:t>
             </a:r>
           </a:p>
           <a:p>
@@ -11951,7 +12056,7 @@
                 <a:latin typeface="Times New Roman" panose="02020603050405020304" pitchFamily="18" charset="0"/>
                 <a:cs typeface="Times New Roman" panose="02020603050405020304" pitchFamily="18" charset="0"/>
               </a:rPr>
-              <a:t>);</a:t>
+              <a:t>)</a:t>
             </a:r>
           </a:p>
           <a:p>
@@ -12216,7 +12321,7 @@
                 <a:latin typeface="Times New Roman" panose="02020603050405020304" pitchFamily="18" charset="0"/>
                 <a:cs typeface="Times New Roman" panose="02020603050405020304" pitchFamily="18" charset="0"/>
               </a:rPr>
-              <a:t>: ‘);</a:t>
+              <a:t>: ')</a:t>
             </a:r>
           </a:p>
           <a:p>
@@ -12289,7 +12394,7 @@
                 <a:latin typeface="Times New Roman" panose="02020603050405020304" pitchFamily="18" charset="0"/>
                 <a:cs typeface="Times New Roman" panose="02020603050405020304" pitchFamily="18" charset="0"/>
               </a:rPr>
-              <a:t>);</a:t>
+              <a:t>)</a:t>
             </a:r>
           </a:p>
           <a:p>
@@ -13297,13 +13402,6 @@
                 <a:cs typeface="Times New Roman" panose="02020603050405020304" pitchFamily="18" charset="0"/>
               </a:rPr>
               <a:t>json</a:t>
-            </a:r>
-            <a:r>
-              <a:rPr lang="pt-BR" sz="2400" dirty="0">
-                <a:latin typeface="Times New Roman" panose="02020603050405020304" pitchFamily="18" charset="0"/>
-                <a:cs typeface="Times New Roman" panose="02020603050405020304" pitchFamily="18" charset="0"/>
-              </a:rPr>
-              <a:t>;</a:t>
             </a:r>
             <a:endParaRPr lang="pt-BR" sz="2400" dirty="0">
               <a:solidFill>
@@ -14317,7 +14415,7 @@
                 <a:latin typeface="Times New Roman" panose="02020603050405020304" pitchFamily="18" charset="0"/>
                 <a:cs typeface="Times New Roman" panose="02020603050405020304" pitchFamily="18" charset="0"/>
               </a:rPr>
-              <a:t>(x); # parse x:</a:t>
+              <a:t>(x) # parse x:</a:t>
             </a:r>
           </a:p>
           <a:p>
@@ -14357,7 +14455,7 @@
                 <a:latin typeface="Times New Roman" panose="02020603050405020304" pitchFamily="18" charset="0"/>
                 <a:cs typeface="Times New Roman" panose="02020603050405020304" pitchFamily="18" charset="0"/>
               </a:rPr>
-              <a:t>(y[“</a:t>
+              <a:t>(y["</a:t>
             </a:r>
             <a:r>
               <a:rPr lang="en-US" sz="2400" dirty="0" err="1">
@@ -14631,6 +14729,18 @@
               </a:rPr>
               <a:t>json</a:t>
             </a:r>
+            <a:endParaRPr lang="en-US" sz="2400" dirty="0">
+              <a:solidFill>
+                <a:schemeClr val="tx1"/>
+              </a:solidFill>
+              <a:latin typeface="Times New Roman" panose="02020603050405020304" pitchFamily="18" charset="0"/>
+              <a:cs typeface="Times New Roman" panose="02020603050405020304" pitchFamily="18" charset="0"/>
+            </a:endParaRPr>
+          </a:p>
+          <a:p>
+            <a:pPr marL="0" indent="0" algn="just">
+              <a:buNone/>
+            </a:pPr>
             <a:r>
               <a:rPr lang="en-US" sz="2400" dirty="0">
                 <a:solidFill>
@@ -14639,7 +14749,27 @@
                 <a:latin typeface="Times New Roman" panose="02020603050405020304" pitchFamily="18" charset="0"/>
                 <a:cs typeface="Times New Roman" panose="02020603050405020304" pitchFamily="18" charset="0"/>
               </a:rPr>
-              <a:t>;</a:t>
+              <a:t># a Python object (</a:t>
+            </a:r>
+            <a:r>
+              <a:rPr lang="en-US" sz="2400" b="1" dirty="0" err="1">
+                <a:solidFill>
+                  <a:schemeClr val="tx1"/>
+                </a:solidFill>
+                <a:latin typeface="Times New Roman" panose="02020603050405020304" pitchFamily="18" charset="0"/>
+                <a:cs typeface="Times New Roman" panose="02020603050405020304" pitchFamily="18" charset="0"/>
+              </a:rPr>
+              <a:t>dict</a:t>
+            </a:r>
+            <a:r>
+              <a:rPr lang="en-US" sz="2400" dirty="0">
+                <a:solidFill>
+                  <a:schemeClr val="tx1"/>
+                </a:solidFill>
+                <a:latin typeface="Times New Roman" panose="02020603050405020304" pitchFamily="18" charset="0"/>
+                <a:cs typeface="Times New Roman" panose="02020603050405020304" pitchFamily="18" charset="0"/>
+              </a:rPr>
+              <a:t>):</a:t>
             </a:r>
           </a:p>
           <a:p>
@@ -14647,6 +14777,16 @@
               <a:buNone/>
             </a:pPr>
             <a:r>
+              <a:rPr lang="en-US" sz="2400" b="1" dirty="0" err="1">
+                <a:solidFill>
+                  <a:schemeClr val="tx1"/>
+                </a:solidFill>
+                <a:latin typeface="Times New Roman" panose="02020603050405020304" pitchFamily="18" charset="0"/>
+                <a:cs typeface="Times New Roman" panose="02020603050405020304" pitchFamily="18" charset="0"/>
+              </a:rPr>
+              <a:t>pessoa</a:t>
+            </a:r>
+            <a:r>
               <a:rPr lang="en-US" sz="2400" dirty="0">
                 <a:solidFill>
                   <a:schemeClr val="tx1"/>
@@ -14654,17 +14794,112 @@
                 <a:latin typeface="Times New Roman" panose="02020603050405020304" pitchFamily="18" charset="0"/>
                 <a:cs typeface="Times New Roman" panose="02020603050405020304" pitchFamily="18" charset="0"/>
               </a:rPr>
-              <a:t># a Python object (</a:t>
+              <a:t> = {"</a:t>
+            </a:r>
+            <a:r>
+              <a:rPr lang="en-US" sz="2400" dirty="0" err="1">
+                <a:solidFill>
+                  <a:schemeClr val="tx1"/>
+                </a:solidFill>
+                <a:latin typeface="Times New Roman" panose="02020603050405020304" pitchFamily="18" charset="0"/>
+                <a:cs typeface="Times New Roman" panose="02020603050405020304" pitchFamily="18" charset="0"/>
+              </a:rPr>
+              <a:t>nome</a:t>
+            </a:r>
+            <a:r>
+              <a:rPr lang="en-US" sz="2400" dirty="0">
+                <a:solidFill>
+                  <a:schemeClr val="tx1"/>
+                </a:solidFill>
+                <a:latin typeface="Times New Roman" panose="02020603050405020304" pitchFamily="18" charset="0"/>
+                <a:cs typeface="Times New Roman" panose="02020603050405020304" pitchFamily="18" charset="0"/>
+              </a:rPr>
+              <a:t>": "Juju", “</a:t>
+            </a:r>
+            <a:r>
+              <a:rPr lang="en-US" sz="2400" dirty="0" err="1">
+                <a:solidFill>
+                  <a:schemeClr val="tx1"/>
+                </a:solidFill>
+                <a:latin typeface="Times New Roman" panose="02020603050405020304" pitchFamily="18" charset="0"/>
+                <a:cs typeface="Times New Roman" panose="02020603050405020304" pitchFamily="18" charset="0"/>
+              </a:rPr>
+              <a:t>idade</a:t>
+            </a:r>
+            <a:r>
+              <a:rPr lang="en-US" sz="2400" dirty="0">
+                <a:solidFill>
+                  <a:schemeClr val="tx1"/>
+                </a:solidFill>
+                <a:latin typeface="Times New Roman" panose="02020603050405020304" pitchFamily="18" charset="0"/>
+                <a:cs typeface="Times New Roman" panose="02020603050405020304" pitchFamily="18" charset="0"/>
+              </a:rPr>
+              <a:t>": 17, “</a:t>
+            </a:r>
+            <a:r>
+              <a:rPr lang="en-US" sz="2400" dirty="0" err="1">
+                <a:solidFill>
+                  <a:schemeClr val="tx1"/>
+                </a:solidFill>
+                <a:latin typeface="Times New Roman" panose="02020603050405020304" pitchFamily="18" charset="0"/>
+                <a:cs typeface="Times New Roman" panose="02020603050405020304" pitchFamily="18" charset="0"/>
+              </a:rPr>
+              <a:t>cidade</a:t>
+            </a:r>
+            <a:r>
+              <a:rPr lang="en-US" sz="2400" dirty="0">
+                <a:solidFill>
+                  <a:schemeClr val="tx1"/>
+                </a:solidFill>
+                <a:latin typeface="Times New Roman" panose="02020603050405020304" pitchFamily="18" charset="0"/>
+                <a:cs typeface="Times New Roman" panose="02020603050405020304" pitchFamily="18" charset="0"/>
+              </a:rPr>
+              <a:t>": “Salvador"}</a:t>
+            </a:r>
+          </a:p>
+          <a:p>
+            <a:pPr marL="0" indent="0" algn="just">
+              <a:buNone/>
+            </a:pPr>
+            <a:r>
+              <a:rPr lang="en-US" sz="2400" dirty="0">
+                <a:solidFill>
+                  <a:schemeClr val="tx1"/>
+                </a:solidFill>
+                <a:latin typeface="Times New Roman" panose="02020603050405020304" pitchFamily="18" charset="0"/>
+                <a:cs typeface="Times New Roman" panose="02020603050405020304" pitchFamily="18" charset="0"/>
+              </a:rPr>
+              <a:t>dados = </a:t>
             </a:r>
             <a:r>
               <a:rPr lang="en-US" sz="2400" b="1" dirty="0" err="1">
                 <a:solidFill>
+                  <a:srgbClr val="FF0000"/>
+                </a:solidFill>
+                <a:latin typeface="Times New Roman" panose="02020603050405020304" pitchFamily="18" charset="0"/>
+                <a:cs typeface="Times New Roman" panose="02020603050405020304" pitchFamily="18" charset="0"/>
+              </a:rPr>
+              <a:t>json.dumps</a:t>
+            </a:r>
+            <a:r>
+              <a:rPr lang="en-US" sz="2400" dirty="0">
+                <a:solidFill>
                   <a:schemeClr val="tx1"/>
                 </a:solidFill>
                 <a:latin typeface="Times New Roman" panose="02020603050405020304" pitchFamily="18" charset="0"/>
                 <a:cs typeface="Times New Roman" panose="02020603050405020304" pitchFamily="18" charset="0"/>
               </a:rPr>
-              <a:t>dict</a:t>
+              <a:t>(</a:t>
+            </a:r>
+            <a:r>
+              <a:rPr lang="en-US" sz="2400" b="1" dirty="0" err="1">
+                <a:solidFill>
+                  <a:schemeClr val="tx1"/>
+                </a:solidFill>
+                <a:latin typeface="Times New Roman" panose="02020603050405020304" pitchFamily="18" charset="0"/>
+                <a:cs typeface="Times New Roman" panose="02020603050405020304" pitchFamily="18" charset="0"/>
+              </a:rPr>
+              <a:t>pessoa</a:t>
             </a:r>
             <a:r>
               <a:rPr lang="en-US" sz="2400" dirty="0">
@@ -14674,7 +14909,7 @@
                 <a:latin typeface="Times New Roman" panose="02020603050405020304" pitchFamily="18" charset="0"/>
                 <a:cs typeface="Times New Roman" panose="02020603050405020304" pitchFamily="18" charset="0"/>
               </a:rPr>
-              <a:t>):</a:t>
+              <a:t>) // # convert into JSON:</a:t>
             </a:r>
           </a:p>
           <a:p>
@@ -14682,14 +14917,14 @@
               <a:buNone/>
             </a:pPr>
             <a:r>
-              <a:rPr lang="en-US" sz="2400" b="1" dirty="0" err="1">
+              <a:rPr lang="en-US" sz="2400" b="1" dirty="0">
                 <a:solidFill>
                   <a:schemeClr val="tx1"/>
                 </a:solidFill>
                 <a:latin typeface="Times New Roman" panose="02020603050405020304" pitchFamily="18" charset="0"/>
                 <a:cs typeface="Times New Roman" panose="02020603050405020304" pitchFamily="18" charset="0"/>
               </a:rPr>
-              <a:t>pessoa</a:t>
+              <a:t>print</a:t>
             </a:r>
             <a:r>
               <a:rPr lang="en-US" sz="2400" dirty="0">
@@ -14699,147 +14934,7 @@
                 <a:latin typeface="Times New Roman" panose="02020603050405020304" pitchFamily="18" charset="0"/>
                 <a:cs typeface="Times New Roman" panose="02020603050405020304" pitchFamily="18" charset="0"/>
               </a:rPr>
-              <a:t> = {"</a:t>
-            </a:r>
-            <a:r>
-              <a:rPr lang="en-US" sz="2400" dirty="0" err="1">
-                <a:solidFill>
-                  <a:schemeClr val="tx1"/>
-                </a:solidFill>
-                <a:latin typeface="Times New Roman" panose="02020603050405020304" pitchFamily="18" charset="0"/>
-                <a:cs typeface="Times New Roman" panose="02020603050405020304" pitchFamily="18" charset="0"/>
-              </a:rPr>
-              <a:t>nome</a:t>
-            </a:r>
-            <a:r>
-              <a:rPr lang="en-US" sz="2400" dirty="0">
-                <a:solidFill>
-                  <a:schemeClr val="tx1"/>
-                </a:solidFill>
-                <a:latin typeface="Times New Roman" panose="02020603050405020304" pitchFamily="18" charset="0"/>
-                <a:cs typeface="Times New Roman" panose="02020603050405020304" pitchFamily="18" charset="0"/>
-              </a:rPr>
-              <a:t>": "Juju", “</a:t>
-            </a:r>
-            <a:r>
-              <a:rPr lang="en-US" sz="2400" dirty="0" err="1">
-                <a:solidFill>
-                  <a:schemeClr val="tx1"/>
-                </a:solidFill>
-                <a:latin typeface="Times New Roman" panose="02020603050405020304" pitchFamily="18" charset="0"/>
-                <a:cs typeface="Times New Roman" panose="02020603050405020304" pitchFamily="18" charset="0"/>
-              </a:rPr>
-              <a:t>idade</a:t>
-            </a:r>
-            <a:r>
-              <a:rPr lang="en-US" sz="2400" dirty="0">
-                <a:solidFill>
-                  <a:schemeClr val="tx1"/>
-                </a:solidFill>
-                <a:latin typeface="Times New Roman" panose="02020603050405020304" pitchFamily="18" charset="0"/>
-                <a:cs typeface="Times New Roman" panose="02020603050405020304" pitchFamily="18" charset="0"/>
-              </a:rPr>
-              <a:t>": 17, “</a:t>
-            </a:r>
-            <a:r>
-              <a:rPr lang="en-US" sz="2400" dirty="0" err="1">
-                <a:solidFill>
-                  <a:schemeClr val="tx1"/>
-                </a:solidFill>
-                <a:latin typeface="Times New Roman" panose="02020603050405020304" pitchFamily="18" charset="0"/>
-                <a:cs typeface="Times New Roman" panose="02020603050405020304" pitchFamily="18" charset="0"/>
-              </a:rPr>
-              <a:t>cidade</a:t>
-            </a:r>
-            <a:r>
-              <a:rPr lang="en-US" sz="2400" dirty="0">
-                <a:solidFill>
-                  <a:schemeClr val="tx1"/>
-                </a:solidFill>
-                <a:latin typeface="Times New Roman" panose="02020603050405020304" pitchFamily="18" charset="0"/>
-                <a:cs typeface="Times New Roman" panose="02020603050405020304" pitchFamily="18" charset="0"/>
-              </a:rPr>
-              <a:t>": “Salvador"};</a:t>
-            </a:r>
-          </a:p>
-          <a:p>
-            <a:pPr marL="0" indent="0" algn="just">
-              <a:buNone/>
-            </a:pPr>
-            <a:r>
-              <a:rPr lang="en-US" sz="2400" dirty="0">
-                <a:solidFill>
-                  <a:schemeClr val="tx1"/>
-                </a:solidFill>
-                <a:latin typeface="Times New Roman" panose="02020603050405020304" pitchFamily="18" charset="0"/>
-                <a:cs typeface="Times New Roman" panose="02020603050405020304" pitchFamily="18" charset="0"/>
-              </a:rPr>
-              <a:t>dados = </a:t>
-            </a:r>
-            <a:r>
-              <a:rPr lang="en-US" sz="2400" b="1" dirty="0" err="1">
-                <a:solidFill>
-                  <a:srgbClr val="FF0000"/>
-                </a:solidFill>
-                <a:latin typeface="Times New Roman" panose="02020603050405020304" pitchFamily="18" charset="0"/>
-                <a:cs typeface="Times New Roman" panose="02020603050405020304" pitchFamily="18" charset="0"/>
-              </a:rPr>
-              <a:t>json.dumps</a:t>
-            </a:r>
-            <a:r>
-              <a:rPr lang="en-US" sz="2400" dirty="0">
-                <a:solidFill>
-                  <a:schemeClr val="tx1"/>
-                </a:solidFill>
-                <a:latin typeface="Times New Roman" panose="02020603050405020304" pitchFamily="18" charset="0"/>
-                <a:cs typeface="Times New Roman" panose="02020603050405020304" pitchFamily="18" charset="0"/>
-              </a:rPr>
-              <a:t>(</a:t>
-            </a:r>
-            <a:r>
-              <a:rPr lang="en-US" sz="2400" b="1" dirty="0" err="1">
-                <a:solidFill>
-                  <a:schemeClr val="tx1"/>
-                </a:solidFill>
-                <a:latin typeface="Times New Roman" panose="02020603050405020304" pitchFamily="18" charset="0"/>
-                <a:cs typeface="Times New Roman" panose="02020603050405020304" pitchFamily="18" charset="0"/>
-              </a:rPr>
-              <a:t>pessoa</a:t>
-            </a:r>
-            <a:r>
-              <a:rPr lang="en-US" sz="2400" dirty="0">
-                <a:solidFill>
-                  <a:schemeClr val="tx1"/>
-                </a:solidFill>
-                <a:latin typeface="Times New Roman" panose="02020603050405020304" pitchFamily="18" charset="0"/>
-                <a:cs typeface="Times New Roman" panose="02020603050405020304" pitchFamily="18" charset="0"/>
-              </a:rPr>
-              <a:t>); // # convert into JSON:</a:t>
-            </a:r>
-          </a:p>
-          <a:p>
-            <a:pPr marL="0" indent="0" algn="just">
-              <a:buNone/>
-            </a:pPr>
-            <a:r>
-              <a:rPr lang="en-US" sz="2400" b="1" dirty="0">
-                <a:solidFill>
-                  <a:schemeClr val="tx1"/>
-                </a:solidFill>
-                <a:latin typeface="Times New Roman" panose="02020603050405020304" pitchFamily="18" charset="0"/>
-                <a:cs typeface="Times New Roman" panose="02020603050405020304" pitchFamily="18" charset="0"/>
-              </a:rPr>
-              <a:t>print</a:t>
-            </a:r>
-            <a:r>
-              <a:rPr lang="en-US" sz="2400" dirty="0">
-                <a:solidFill>
-                  <a:schemeClr val="tx1"/>
-                </a:solidFill>
-                <a:latin typeface="Times New Roman" panose="02020603050405020304" pitchFamily="18" charset="0"/>
-                <a:cs typeface="Times New Roman" panose="02020603050405020304" pitchFamily="18" charset="0"/>
-              </a:rPr>
-              <a:t>(dados); # the result is a JSON string:</a:t>
+              <a:t>(dados) # the result is a JSON string:</a:t>
             </a:r>
           </a:p>
         </p:txBody>
@@ -15051,16 +15146,13 @@
               </a:rPr>
               <a:t>json</a:t>
             </a:r>
-            <a:r>
-              <a:rPr lang="en-US" sz="2400" dirty="0">
-                <a:solidFill>
-                  <a:schemeClr val="tx1"/>
-                </a:solidFill>
-                <a:latin typeface="Times New Roman" panose="02020603050405020304" pitchFamily="18" charset="0"/>
-                <a:cs typeface="Times New Roman" panose="02020603050405020304" pitchFamily="18" charset="0"/>
-              </a:rPr>
-              <a:t>;</a:t>
-            </a:r>
+            <a:endParaRPr lang="en-US" sz="2400" dirty="0">
+              <a:solidFill>
+                <a:schemeClr val="tx1"/>
+              </a:solidFill>
+              <a:latin typeface="Times New Roman" panose="02020603050405020304" pitchFamily="18" charset="0"/>
+              <a:cs typeface="Times New Roman" panose="02020603050405020304" pitchFamily="18" charset="0"/>
+            </a:endParaRPr>
           </a:p>
           <a:p>
             <a:pPr marL="0" indent="0" algn="just">
@@ -15379,6 +15471,28 @@
               </a:rPr>
               <a:t>json</a:t>
             </a:r>
+            <a:endParaRPr lang="en-US" sz="2400" dirty="0">
+              <a:solidFill>
+                <a:schemeClr val="tx1"/>
+              </a:solidFill>
+              <a:latin typeface="Times New Roman" panose="02020603050405020304" pitchFamily="18" charset="0"/>
+              <a:cs typeface="Times New Roman" panose="02020603050405020304" pitchFamily="18" charset="0"/>
+            </a:endParaRPr>
+          </a:p>
+          <a:p>
+            <a:pPr marL="0" indent="0" algn="just">
+              <a:buNone/>
+            </a:pPr>
+            <a:r>
+              <a:rPr lang="en-US" sz="2400" b="1" dirty="0">
+                <a:solidFill>
+                  <a:schemeClr val="tx1"/>
+                </a:solidFill>
+                <a:latin typeface="Times New Roman" panose="02020603050405020304" pitchFamily="18" charset="0"/>
+                <a:cs typeface="Times New Roman" panose="02020603050405020304" pitchFamily="18" charset="0"/>
+              </a:rPr>
+              <a:t>print</a:t>
+            </a:r>
             <a:r>
               <a:rPr lang="en-US" sz="2400" dirty="0">
                 <a:solidFill>
@@ -15387,7 +15501,27 @@
                 <a:latin typeface="Times New Roman" panose="02020603050405020304" pitchFamily="18" charset="0"/>
                 <a:cs typeface="Times New Roman" panose="02020603050405020304" pitchFamily="18" charset="0"/>
               </a:rPr>
-              <a:t>;</a:t>
+              <a:t>(</a:t>
+            </a:r>
+            <a:r>
+              <a:rPr lang="en-US" sz="2400" b="1" dirty="0" err="1">
+                <a:solidFill>
+                  <a:srgbClr val="FF0000"/>
+                </a:solidFill>
+                <a:latin typeface="Times New Roman" panose="02020603050405020304" pitchFamily="18" charset="0"/>
+                <a:cs typeface="Times New Roman" panose="02020603050405020304" pitchFamily="18" charset="0"/>
+              </a:rPr>
+              <a:t>json.dumps</a:t>
+            </a:r>
+            <a:r>
+              <a:rPr lang="en-US" sz="2400" dirty="0">
+                <a:solidFill>
+                  <a:schemeClr val="tx1"/>
+                </a:solidFill>
+                <a:latin typeface="Times New Roman" panose="02020603050405020304" pitchFamily="18" charset="0"/>
+                <a:cs typeface="Times New Roman" panose="02020603050405020304" pitchFamily="18" charset="0"/>
+              </a:rPr>
+              <a:t>("hello"))</a:t>
             </a:r>
           </a:p>
           <a:p>
@@ -15422,7 +15556,27 @@
                 <a:latin typeface="Times New Roman" panose="02020603050405020304" pitchFamily="18" charset="0"/>
                 <a:cs typeface="Times New Roman" panose="02020603050405020304" pitchFamily="18" charset="0"/>
               </a:rPr>
-              <a:t>json.dumps</a:t>
+              <a:t>json</a:t>
+            </a:r>
+            <a:r>
+              <a:rPr lang="en-US" sz="2400" dirty="0" err="1">
+                <a:solidFill>
+                  <a:schemeClr val="tx1"/>
+                </a:solidFill>
+                <a:latin typeface="Times New Roman" panose="02020603050405020304" pitchFamily="18" charset="0"/>
+                <a:cs typeface="Times New Roman" panose="02020603050405020304" pitchFamily="18" charset="0"/>
+              </a:rPr>
+              <a:t>.</a:t>
+            </a:r>
+            <a:r>
+              <a:rPr lang="en-US" sz="2400" b="1" dirty="0" err="1">
+                <a:solidFill>
+                  <a:srgbClr val="FF0000"/>
+                </a:solidFill>
+                <a:latin typeface="Times New Roman" panose="02020603050405020304" pitchFamily="18" charset="0"/>
+                <a:cs typeface="Times New Roman" panose="02020603050405020304" pitchFamily="18" charset="0"/>
+              </a:rPr>
+              <a:t>dumps</a:t>
             </a:r>
             <a:r>
               <a:rPr lang="en-US" sz="2400" dirty="0">
@@ -15432,7 +15586,7 @@
                 <a:latin typeface="Times New Roman" panose="02020603050405020304" pitchFamily="18" charset="0"/>
                 <a:cs typeface="Times New Roman" panose="02020603050405020304" pitchFamily="18" charset="0"/>
               </a:rPr>
-              <a:t>("hello"));</a:t>
+              <a:t>(42))</a:t>
             </a:r>
           </a:p>
           <a:p>
@@ -15497,7 +15651,7 @@
                 <a:latin typeface="Times New Roman" panose="02020603050405020304" pitchFamily="18" charset="0"/>
                 <a:cs typeface="Times New Roman" panose="02020603050405020304" pitchFamily="18" charset="0"/>
               </a:rPr>
-              <a:t>(42));</a:t>
+              <a:t>(31.76))</a:t>
             </a:r>
           </a:p>
           <a:p>
@@ -15562,7 +15716,7 @@
                 <a:latin typeface="Times New Roman" panose="02020603050405020304" pitchFamily="18" charset="0"/>
                 <a:cs typeface="Times New Roman" panose="02020603050405020304" pitchFamily="18" charset="0"/>
               </a:rPr>
-              <a:t>(31.76));</a:t>
+              <a:t>(True))</a:t>
             </a:r>
           </a:p>
           <a:p>
@@ -15627,7 +15781,7 @@
                 <a:latin typeface="Times New Roman" panose="02020603050405020304" pitchFamily="18" charset="0"/>
                 <a:cs typeface="Times New Roman" panose="02020603050405020304" pitchFamily="18" charset="0"/>
               </a:rPr>
-              <a:t>(True));</a:t>
+              <a:t>(False))</a:t>
             </a:r>
           </a:p>
           <a:p>
@@ -15692,72 +15846,7 @@
                 <a:latin typeface="Times New Roman" panose="02020603050405020304" pitchFamily="18" charset="0"/>
                 <a:cs typeface="Times New Roman" panose="02020603050405020304" pitchFamily="18" charset="0"/>
               </a:rPr>
-              <a:t>(False));</a:t>
-            </a:r>
-          </a:p>
-          <a:p>
-            <a:pPr marL="0" indent="0" algn="just">
-              <a:buNone/>
-            </a:pPr>
-            <a:r>
-              <a:rPr lang="en-US" sz="2400" b="1" dirty="0">
-                <a:solidFill>
-                  <a:schemeClr val="tx1"/>
-                </a:solidFill>
-                <a:latin typeface="Times New Roman" panose="02020603050405020304" pitchFamily="18" charset="0"/>
-                <a:cs typeface="Times New Roman" panose="02020603050405020304" pitchFamily="18" charset="0"/>
-              </a:rPr>
-              <a:t>print</a:t>
-            </a:r>
-            <a:r>
-              <a:rPr lang="en-US" sz="2400" dirty="0">
-                <a:solidFill>
-                  <a:schemeClr val="tx1"/>
-                </a:solidFill>
-                <a:latin typeface="Times New Roman" panose="02020603050405020304" pitchFamily="18" charset="0"/>
-                <a:cs typeface="Times New Roman" panose="02020603050405020304" pitchFamily="18" charset="0"/>
-              </a:rPr>
-              <a:t>(</a:t>
-            </a:r>
-            <a:r>
-              <a:rPr lang="en-US" sz="2400" b="1" dirty="0" err="1">
-                <a:solidFill>
-                  <a:srgbClr val="FF0000"/>
-                </a:solidFill>
-                <a:latin typeface="Times New Roman" panose="02020603050405020304" pitchFamily="18" charset="0"/>
-                <a:cs typeface="Times New Roman" panose="02020603050405020304" pitchFamily="18" charset="0"/>
-              </a:rPr>
-              <a:t>json</a:t>
-            </a:r>
-            <a:r>
-              <a:rPr lang="en-US" sz="2400" dirty="0" err="1">
-                <a:solidFill>
-                  <a:schemeClr val="tx1"/>
-                </a:solidFill>
-                <a:latin typeface="Times New Roman" panose="02020603050405020304" pitchFamily="18" charset="0"/>
-                <a:cs typeface="Times New Roman" panose="02020603050405020304" pitchFamily="18" charset="0"/>
-              </a:rPr>
-              <a:t>.</a:t>
-            </a:r>
-            <a:r>
-              <a:rPr lang="en-US" sz="2400" b="1" dirty="0" err="1">
-                <a:solidFill>
-                  <a:srgbClr val="FF0000"/>
-                </a:solidFill>
-                <a:latin typeface="Times New Roman" panose="02020603050405020304" pitchFamily="18" charset="0"/>
-                <a:cs typeface="Times New Roman" panose="02020603050405020304" pitchFamily="18" charset="0"/>
-              </a:rPr>
-              <a:t>dumps</a:t>
-            </a:r>
-            <a:r>
-              <a:rPr lang="en-US" sz="2400" dirty="0">
-                <a:solidFill>
-                  <a:schemeClr val="tx1"/>
-                </a:solidFill>
-                <a:latin typeface="Times New Roman" panose="02020603050405020304" pitchFamily="18" charset="0"/>
-                <a:cs typeface="Times New Roman" panose="02020603050405020304" pitchFamily="18" charset="0"/>
-              </a:rPr>
-              <a:t>(None));</a:t>
+              <a:t>(None))</a:t>
             </a:r>
           </a:p>
         </p:txBody>
